--- a/Time Series Project David Bravo.pptx
+++ b/Time Series Project David Bravo.pptx
@@ -4,6 +4,9 @@
   <p:sldMasterIdLst>
     <p:sldMasterId id="2147483677" r:id="rId1"/>
   </p:sldMasterIdLst>
+  <p:notesMasterIdLst>
+    <p:notesMasterId r:id="rId23"/>
+  </p:notesMasterIdLst>
   <p:sldIdLst>
     <p:sldId id="256" r:id="rId2"/>
     <p:sldId id="257" r:id="rId3"/>
@@ -22,9 +25,10 @@
     <p:sldId id="268" r:id="rId16"/>
     <p:sldId id="273" r:id="rId17"/>
     <p:sldId id="274" r:id="rId18"/>
-    <p:sldId id="275" r:id="rId19"/>
-    <p:sldId id="276" r:id="rId20"/>
-    <p:sldId id="277" r:id="rId21"/>
+    <p:sldId id="278" r:id="rId19"/>
+    <p:sldId id="275" r:id="rId20"/>
+    <p:sldId id="276" r:id="rId21"/>
+    <p:sldId id="277" r:id="rId22"/>
   </p:sldIdLst>
   <p:sldSz cx="12192000" cy="6858000"/>
   <p:notesSz cx="6858000" cy="9144000"/>
@@ -123,7 +127,446 @@
       </a:defRPr>
     </a:lvl9pPr>
   </p:defaultTextStyle>
+  <p:extLst>
+    <p:ext uri="{EFAFB233-063F-42B5-8137-9DF3F51BA10A}">
+      <p15:sldGuideLst xmlns:p15="http://schemas.microsoft.com/office/powerpoint/2012/main"/>
+    </p:ext>
+  </p:extLst>
 </p:presentation>
+</file>
+
+<file path=ppt/notesMasters/notesMaster1.xml><?xml version="1.0" encoding="utf-8"?>
+<p:notesMaster xmlns:a="http://schemas.openxmlformats.org/drawingml/2006/main" xmlns:r="http://schemas.openxmlformats.org/officeDocument/2006/relationships" xmlns:p="http://schemas.openxmlformats.org/presentationml/2006/main">
+  <p:cSld>
+    <p:bg>
+      <p:bgRef idx="1001">
+        <a:schemeClr val="bg1"/>
+      </p:bgRef>
+    </p:bg>
+    <p:spTree>
+      <p:nvGrpSpPr>
+        <p:cNvPr id="1" name=""/>
+        <p:cNvGrpSpPr/>
+        <p:nvPr/>
+      </p:nvGrpSpPr>
+      <p:grpSpPr>
+        <a:xfrm>
+          <a:off x="0" y="0"/>
+          <a:ext cx="0" cy="0"/>
+          <a:chOff x="0" y="0"/>
+          <a:chExt cx="0" cy="0"/>
+        </a:xfrm>
+      </p:grpSpPr>
+      <p:sp>
+        <p:nvSpPr>
+          <p:cNvPr id="2" name="Header Placeholder 1"/>
+          <p:cNvSpPr>
+            <a:spLocks noGrp="1"/>
+          </p:cNvSpPr>
+          <p:nvPr>
+            <p:ph type="hdr" sz="quarter"/>
+          </p:nvPr>
+        </p:nvSpPr>
+        <p:spPr>
+          <a:xfrm>
+            <a:off x="0" y="0"/>
+            <a:ext cx="2971800" cy="458788"/>
+          </a:xfrm>
+          <a:prstGeom prst="rect">
+            <a:avLst/>
+          </a:prstGeom>
+        </p:spPr>
+        <p:txBody>
+          <a:bodyPr vert="horz" lIns="91440" tIns="45720" rIns="91440" bIns="45720" rtlCol="0"/>
+          <a:lstStyle>
+            <a:lvl1pPr algn="l">
+              <a:defRPr sz="1200"/>
+            </a:lvl1pPr>
+          </a:lstStyle>
+          <a:p>
+            <a:endParaRPr lang="es-ES"/>
+          </a:p>
+        </p:txBody>
+      </p:sp>
+      <p:sp>
+        <p:nvSpPr>
+          <p:cNvPr id="3" name="Date Placeholder 2"/>
+          <p:cNvSpPr>
+            <a:spLocks noGrp="1"/>
+          </p:cNvSpPr>
+          <p:nvPr>
+            <p:ph type="dt" idx="1"/>
+          </p:nvPr>
+        </p:nvSpPr>
+        <p:spPr>
+          <a:xfrm>
+            <a:off x="3884613" y="0"/>
+            <a:ext cx="2971800" cy="458788"/>
+          </a:xfrm>
+          <a:prstGeom prst="rect">
+            <a:avLst/>
+          </a:prstGeom>
+        </p:spPr>
+        <p:txBody>
+          <a:bodyPr vert="horz" lIns="91440" tIns="45720" rIns="91440" bIns="45720" rtlCol="0"/>
+          <a:lstStyle>
+            <a:lvl1pPr algn="r">
+              <a:defRPr sz="1200"/>
+            </a:lvl1pPr>
+          </a:lstStyle>
+          <a:p>
+            <a:fld id="{902B873F-A153-400B-8BBF-B1FB1702B4E2}" type="datetimeFigureOut">
+              <a:rPr lang="es-ES" smtClean="0"/>
+              <a:t>05/06/2025</a:t>
+            </a:fld>
+            <a:endParaRPr lang="es-ES"/>
+          </a:p>
+        </p:txBody>
+      </p:sp>
+      <p:sp>
+        <p:nvSpPr>
+          <p:cNvPr id="4" name="Slide Image Placeholder 3"/>
+          <p:cNvSpPr>
+            <a:spLocks noGrp="1" noRot="1" noChangeAspect="1"/>
+          </p:cNvSpPr>
+          <p:nvPr>
+            <p:ph type="sldImg" idx="2"/>
+          </p:nvPr>
+        </p:nvSpPr>
+        <p:spPr>
+          <a:xfrm>
+            <a:off x="685800" y="1143000"/>
+            <a:ext cx="5486400" cy="3086100"/>
+          </a:xfrm>
+          <a:prstGeom prst="rect">
+            <a:avLst/>
+          </a:prstGeom>
+          <a:noFill/>
+          <a:ln w="12700">
+            <a:solidFill>
+              <a:prstClr val="black"/>
+            </a:solidFill>
+          </a:ln>
+        </p:spPr>
+        <p:txBody>
+          <a:bodyPr vert="horz" lIns="91440" tIns="45720" rIns="91440" bIns="45720" rtlCol="0" anchor="ctr"/>
+          <a:lstStyle/>
+          <a:p>
+            <a:endParaRPr lang="es-ES"/>
+          </a:p>
+        </p:txBody>
+      </p:sp>
+      <p:sp>
+        <p:nvSpPr>
+          <p:cNvPr id="5" name="Notes Placeholder 4"/>
+          <p:cNvSpPr>
+            <a:spLocks noGrp="1"/>
+          </p:cNvSpPr>
+          <p:nvPr>
+            <p:ph type="body" sz="quarter" idx="3"/>
+          </p:nvPr>
+        </p:nvSpPr>
+        <p:spPr>
+          <a:xfrm>
+            <a:off x="685800" y="4400550"/>
+            <a:ext cx="5486400" cy="3600450"/>
+          </a:xfrm>
+          <a:prstGeom prst="rect">
+            <a:avLst/>
+          </a:prstGeom>
+        </p:spPr>
+        <p:txBody>
+          <a:bodyPr vert="horz" lIns="91440" tIns="45720" rIns="91440" bIns="45720" rtlCol="0"/>
+          <a:lstStyle/>
+          <a:p>
+            <a:pPr lvl="0"/>
+            <a:r>
+              <a:rPr lang="en-US"/>
+              <a:t>Click to edit Master text styles</a:t>
+            </a:r>
+          </a:p>
+          <a:p>
+            <a:pPr lvl="1"/>
+            <a:r>
+              <a:rPr lang="en-US"/>
+              <a:t>Second level</a:t>
+            </a:r>
+          </a:p>
+          <a:p>
+            <a:pPr lvl="2"/>
+            <a:r>
+              <a:rPr lang="en-US"/>
+              <a:t>Third level</a:t>
+            </a:r>
+          </a:p>
+          <a:p>
+            <a:pPr lvl="3"/>
+            <a:r>
+              <a:rPr lang="en-US"/>
+              <a:t>Fourth level</a:t>
+            </a:r>
+          </a:p>
+          <a:p>
+            <a:pPr lvl="4"/>
+            <a:r>
+              <a:rPr lang="en-US"/>
+              <a:t>Fifth level</a:t>
+            </a:r>
+            <a:endParaRPr lang="es-ES"/>
+          </a:p>
+        </p:txBody>
+      </p:sp>
+      <p:sp>
+        <p:nvSpPr>
+          <p:cNvPr id="6" name="Footer Placeholder 5"/>
+          <p:cNvSpPr>
+            <a:spLocks noGrp="1"/>
+          </p:cNvSpPr>
+          <p:nvPr>
+            <p:ph type="ftr" sz="quarter" idx="4"/>
+          </p:nvPr>
+        </p:nvSpPr>
+        <p:spPr>
+          <a:xfrm>
+            <a:off x="0" y="8685213"/>
+            <a:ext cx="2971800" cy="458787"/>
+          </a:xfrm>
+          <a:prstGeom prst="rect">
+            <a:avLst/>
+          </a:prstGeom>
+        </p:spPr>
+        <p:txBody>
+          <a:bodyPr vert="horz" lIns="91440" tIns="45720" rIns="91440" bIns="45720" rtlCol="0" anchor="b"/>
+          <a:lstStyle>
+            <a:lvl1pPr algn="l">
+              <a:defRPr sz="1200"/>
+            </a:lvl1pPr>
+          </a:lstStyle>
+          <a:p>
+            <a:endParaRPr lang="es-ES"/>
+          </a:p>
+        </p:txBody>
+      </p:sp>
+      <p:sp>
+        <p:nvSpPr>
+          <p:cNvPr id="7" name="Slide Number Placeholder 6"/>
+          <p:cNvSpPr>
+            <a:spLocks noGrp="1"/>
+          </p:cNvSpPr>
+          <p:nvPr>
+            <p:ph type="sldNum" sz="quarter" idx="5"/>
+          </p:nvPr>
+        </p:nvSpPr>
+        <p:spPr>
+          <a:xfrm>
+            <a:off x="3884613" y="8685213"/>
+            <a:ext cx="2971800" cy="458787"/>
+          </a:xfrm>
+          <a:prstGeom prst="rect">
+            <a:avLst/>
+          </a:prstGeom>
+        </p:spPr>
+        <p:txBody>
+          <a:bodyPr vert="horz" lIns="91440" tIns="45720" rIns="91440" bIns="45720" rtlCol="0" anchor="b"/>
+          <a:lstStyle>
+            <a:lvl1pPr algn="r">
+              <a:defRPr sz="1200"/>
+            </a:lvl1pPr>
+          </a:lstStyle>
+          <a:p>
+            <a:fld id="{5C0344E8-808A-47F8-A707-B5EF8A5CAB3F}" type="slidenum">
+              <a:rPr lang="es-ES" smtClean="0"/>
+              <a:t>‹#›</a:t>
+            </a:fld>
+            <a:endParaRPr lang="es-ES"/>
+          </a:p>
+        </p:txBody>
+      </p:sp>
+    </p:spTree>
+    <p:extLst>
+      <p:ext uri="{BB962C8B-B14F-4D97-AF65-F5344CB8AC3E}">
+        <p14:creationId xmlns:p14="http://schemas.microsoft.com/office/powerpoint/2010/main" val="2060587830"/>
+      </p:ext>
+    </p:extLst>
+  </p:cSld>
+  <p:clrMap bg1="lt1" tx1="dk1" bg2="lt2" tx2="dk2" accent1="accent1" accent2="accent2" accent3="accent3" accent4="accent4" accent5="accent5" accent6="accent6" hlink="hlink" folHlink="folHlink"/>
+  <p:notesStyle>
+    <a:lvl1pPr marL="0" algn="l" defTabSz="914400" rtl="0" eaLnBrk="1" latinLnBrk="0" hangingPunct="1">
+      <a:defRPr sz="1200" kern="1200">
+        <a:solidFill>
+          <a:schemeClr val="tx1"/>
+        </a:solidFill>
+        <a:latin typeface="+mn-lt"/>
+        <a:ea typeface="+mn-ea"/>
+        <a:cs typeface="+mn-cs"/>
+      </a:defRPr>
+    </a:lvl1pPr>
+    <a:lvl2pPr marL="457200" algn="l" defTabSz="914400" rtl="0" eaLnBrk="1" latinLnBrk="0" hangingPunct="1">
+      <a:defRPr sz="1200" kern="1200">
+        <a:solidFill>
+          <a:schemeClr val="tx1"/>
+        </a:solidFill>
+        <a:latin typeface="+mn-lt"/>
+        <a:ea typeface="+mn-ea"/>
+        <a:cs typeface="+mn-cs"/>
+      </a:defRPr>
+    </a:lvl2pPr>
+    <a:lvl3pPr marL="914400" algn="l" defTabSz="914400" rtl="0" eaLnBrk="1" latinLnBrk="0" hangingPunct="1">
+      <a:defRPr sz="1200" kern="1200">
+        <a:solidFill>
+          <a:schemeClr val="tx1"/>
+        </a:solidFill>
+        <a:latin typeface="+mn-lt"/>
+        <a:ea typeface="+mn-ea"/>
+        <a:cs typeface="+mn-cs"/>
+      </a:defRPr>
+    </a:lvl3pPr>
+    <a:lvl4pPr marL="1371600" algn="l" defTabSz="914400" rtl="0" eaLnBrk="1" latinLnBrk="0" hangingPunct="1">
+      <a:defRPr sz="1200" kern="1200">
+        <a:solidFill>
+          <a:schemeClr val="tx1"/>
+        </a:solidFill>
+        <a:latin typeface="+mn-lt"/>
+        <a:ea typeface="+mn-ea"/>
+        <a:cs typeface="+mn-cs"/>
+      </a:defRPr>
+    </a:lvl4pPr>
+    <a:lvl5pPr marL="1828800" algn="l" defTabSz="914400" rtl="0" eaLnBrk="1" latinLnBrk="0" hangingPunct="1">
+      <a:defRPr sz="1200" kern="1200">
+        <a:solidFill>
+          <a:schemeClr val="tx1"/>
+        </a:solidFill>
+        <a:latin typeface="+mn-lt"/>
+        <a:ea typeface="+mn-ea"/>
+        <a:cs typeface="+mn-cs"/>
+      </a:defRPr>
+    </a:lvl5pPr>
+    <a:lvl6pPr marL="2286000" algn="l" defTabSz="914400" rtl="0" eaLnBrk="1" latinLnBrk="0" hangingPunct="1">
+      <a:defRPr sz="1200" kern="1200">
+        <a:solidFill>
+          <a:schemeClr val="tx1"/>
+        </a:solidFill>
+        <a:latin typeface="+mn-lt"/>
+        <a:ea typeface="+mn-ea"/>
+        <a:cs typeface="+mn-cs"/>
+      </a:defRPr>
+    </a:lvl6pPr>
+    <a:lvl7pPr marL="2743200" algn="l" defTabSz="914400" rtl="0" eaLnBrk="1" latinLnBrk="0" hangingPunct="1">
+      <a:defRPr sz="1200" kern="1200">
+        <a:solidFill>
+          <a:schemeClr val="tx1"/>
+        </a:solidFill>
+        <a:latin typeface="+mn-lt"/>
+        <a:ea typeface="+mn-ea"/>
+        <a:cs typeface="+mn-cs"/>
+      </a:defRPr>
+    </a:lvl7pPr>
+    <a:lvl8pPr marL="3200400" algn="l" defTabSz="914400" rtl="0" eaLnBrk="1" latinLnBrk="0" hangingPunct="1">
+      <a:defRPr sz="1200" kern="1200">
+        <a:solidFill>
+          <a:schemeClr val="tx1"/>
+        </a:solidFill>
+        <a:latin typeface="+mn-lt"/>
+        <a:ea typeface="+mn-ea"/>
+        <a:cs typeface="+mn-cs"/>
+      </a:defRPr>
+    </a:lvl8pPr>
+    <a:lvl9pPr marL="3657600" algn="l" defTabSz="914400" rtl="0" eaLnBrk="1" latinLnBrk="0" hangingPunct="1">
+      <a:defRPr sz="1200" kern="1200">
+        <a:solidFill>
+          <a:schemeClr val="tx1"/>
+        </a:solidFill>
+        <a:latin typeface="+mn-lt"/>
+        <a:ea typeface="+mn-ea"/>
+        <a:cs typeface="+mn-cs"/>
+      </a:defRPr>
+    </a:lvl9pPr>
+  </p:notesStyle>
+</p:notesMaster>
+</file>
+
+<file path=ppt/notesSlides/notesSlide1.xml><?xml version="1.0" encoding="utf-8"?>
+<p:notes xmlns:a="http://schemas.openxmlformats.org/drawingml/2006/main" xmlns:r="http://schemas.openxmlformats.org/officeDocument/2006/relationships" xmlns:p="http://schemas.openxmlformats.org/presentationml/2006/main">
+  <p:cSld>
+    <p:spTree>
+      <p:nvGrpSpPr>
+        <p:cNvPr id="1" name=""/>
+        <p:cNvGrpSpPr/>
+        <p:nvPr/>
+      </p:nvGrpSpPr>
+      <p:grpSpPr>
+        <a:xfrm>
+          <a:off x="0" y="0"/>
+          <a:ext cx="0" cy="0"/>
+          <a:chOff x="0" y="0"/>
+          <a:chExt cx="0" cy="0"/>
+        </a:xfrm>
+      </p:grpSpPr>
+      <p:sp>
+        <p:nvSpPr>
+          <p:cNvPr id="2" name="Slide Image Placeholder 1"/>
+          <p:cNvSpPr>
+            <a:spLocks noGrp="1" noRot="1" noChangeAspect="1"/>
+          </p:cNvSpPr>
+          <p:nvPr>
+            <p:ph type="sldImg"/>
+          </p:nvPr>
+        </p:nvSpPr>
+        <p:spPr/>
+      </p:sp>
+      <p:sp>
+        <p:nvSpPr>
+          <p:cNvPr id="3" name="Notes Placeholder 2"/>
+          <p:cNvSpPr>
+            <a:spLocks noGrp="1"/>
+          </p:cNvSpPr>
+          <p:nvPr>
+            <p:ph type="body" idx="1"/>
+          </p:nvPr>
+        </p:nvSpPr>
+        <p:spPr/>
+        <p:txBody>
+          <a:bodyPr/>
+          <a:lstStyle/>
+          <a:p>
+            <a:endParaRPr lang="es-ES" dirty="0"/>
+          </a:p>
+        </p:txBody>
+      </p:sp>
+      <p:sp>
+        <p:nvSpPr>
+          <p:cNvPr id="4" name="Slide Number Placeholder 3"/>
+          <p:cNvSpPr>
+            <a:spLocks noGrp="1"/>
+          </p:cNvSpPr>
+          <p:nvPr>
+            <p:ph type="sldNum" sz="quarter" idx="5"/>
+          </p:nvPr>
+        </p:nvSpPr>
+        <p:spPr/>
+        <p:txBody>
+          <a:bodyPr/>
+          <a:lstStyle/>
+          <a:p>
+            <a:fld id="{5C0344E8-808A-47F8-A707-B5EF8A5CAB3F}" type="slidenum">
+              <a:rPr lang="es-ES" smtClean="0"/>
+              <a:t>18</a:t>
+            </a:fld>
+            <a:endParaRPr lang="es-ES"/>
+          </a:p>
+        </p:txBody>
+      </p:sp>
+    </p:spTree>
+    <p:extLst>
+      <p:ext uri="{BB962C8B-B14F-4D97-AF65-F5344CB8AC3E}">
+        <p14:creationId xmlns:p14="http://schemas.microsoft.com/office/powerpoint/2010/main" val="1759705476"/>
+      </p:ext>
+    </p:extLst>
+  </p:cSld>
+  <p:clrMapOvr>
+    <a:masterClrMapping/>
+  </p:clrMapOvr>
+</p:notes>
 </file>
 
 <file path=ppt/slideLayouts/slideLayout1.xml><?xml version="1.0" encoding="utf-8"?>
@@ -312,7 +755,7 @@
           <a:p>
             <a:fld id="{BC9B0829-03B9-4296-89DC-99C9BCC77691}" type="datetimeFigureOut">
               <a:rPr lang="es-ES" smtClean="0"/>
-              <a:t>04/06/2025</a:t>
+              <a:t>05/06/2025</a:t>
             </a:fld>
             <a:endParaRPr lang="es-ES"/>
           </a:p>
@@ -354,7 +797,7 @@
           <a:p>
             <a:fld id="{50DB69DA-3702-4B4C-ADB0-490D7CB8D72E}" type="slidenum">
               <a:rPr lang="es-ES" smtClean="0"/>
-              <a:t>‹Nº›</a:t>
+              <a:t>‹#›</a:t>
             </a:fld>
             <a:endParaRPr lang="es-ES"/>
           </a:p>
@@ -587,7 +1030,7 @@
           <a:p>
             <a:fld id="{BC9B0829-03B9-4296-89DC-99C9BCC77691}" type="datetimeFigureOut">
               <a:rPr lang="es-ES" smtClean="0"/>
-              <a:t>04/06/2025</a:t>
+              <a:t>05/06/2025</a:t>
             </a:fld>
             <a:endParaRPr lang="es-ES"/>
           </a:p>
@@ -629,7 +1072,7 @@
           <a:p>
             <a:fld id="{50DB69DA-3702-4B4C-ADB0-490D7CB8D72E}" type="slidenum">
               <a:rPr lang="es-ES" smtClean="0"/>
-              <a:t>‹Nº›</a:t>
+              <a:t>‹#›</a:t>
             </a:fld>
             <a:endParaRPr lang="es-ES"/>
           </a:p>
@@ -781,7 +1224,7 @@
           <a:p>
             <a:fld id="{BC9B0829-03B9-4296-89DC-99C9BCC77691}" type="datetimeFigureOut">
               <a:rPr lang="es-ES" smtClean="0"/>
-              <a:t>04/06/2025</a:t>
+              <a:t>05/06/2025</a:t>
             </a:fld>
             <a:endParaRPr lang="es-ES"/>
           </a:p>
@@ -823,7 +1266,7 @@
           <a:p>
             <a:fld id="{50DB69DA-3702-4B4C-ADB0-490D7CB8D72E}" type="slidenum">
               <a:rPr lang="es-ES" smtClean="0"/>
-              <a:t>‹Nº›</a:t>
+              <a:t>‹#›</a:t>
             </a:fld>
             <a:endParaRPr lang="es-ES"/>
           </a:p>
@@ -1054,7 +1497,7 @@
           <a:p>
             <a:fld id="{BC9B0829-03B9-4296-89DC-99C9BCC77691}" type="datetimeFigureOut">
               <a:rPr lang="es-ES" smtClean="0"/>
-              <a:t>04/06/2025</a:t>
+              <a:t>05/06/2025</a:t>
             </a:fld>
             <a:endParaRPr lang="es-ES"/>
           </a:p>
@@ -1096,7 +1539,7 @@
           <a:p>
             <a:fld id="{50DB69DA-3702-4B4C-ADB0-490D7CB8D72E}" type="slidenum">
               <a:rPr lang="es-ES" smtClean="0"/>
-              <a:t>‹Nº›</a:t>
+              <a:t>‹#›</a:t>
             </a:fld>
             <a:endParaRPr lang="es-ES"/>
           </a:p>
@@ -1395,7 +1838,7 @@
           <a:p>
             <a:fld id="{BC9B0829-03B9-4296-89DC-99C9BCC77691}" type="datetimeFigureOut">
               <a:rPr lang="es-ES" smtClean="0"/>
-              <a:t>04/06/2025</a:t>
+              <a:t>05/06/2025</a:t>
             </a:fld>
             <a:endParaRPr lang="es-ES"/>
           </a:p>
@@ -1437,7 +1880,7 @@
           <a:p>
             <a:fld id="{50DB69DA-3702-4B4C-ADB0-490D7CB8D72E}" type="slidenum">
               <a:rPr lang="es-ES" smtClean="0"/>
-              <a:t>‹Nº›</a:t>
+              <a:t>‹#›</a:t>
             </a:fld>
             <a:endParaRPr lang="es-ES"/>
           </a:p>
@@ -2018,7 +2461,7 @@
           <a:p>
             <a:fld id="{BC9B0829-03B9-4296-89DC-99C9BCC77691}" type="datetimeFigureOut">
               <a:rPr lang="es-ES" smtClean="0"/>
-              <a:t>04/06/2025</a:t>
+              <a:t>05/06/2025</a:t>
             </a:fld>
             <a:endParaRPr lang="es-ES"/>
           </a:p>
@@ -2060,7 +2503,7 @@
           <a:p>
             <a:fld id="{50DB69DA-3702-4B4C-ADB0-490D7CB8D72E}" type="slidenum">
               <a:rPr lang="es-ES" smtClean="0"/>
-              <a:t>‹Nº›</a:t>
+              <a:t>‹#›</a:t>
             </a:fld>
             <a:endParaRPr lang="es-ES"/>
           </a:p>
@@ -2878,7 +3321,7 @@
           <a:p>
             <a:fld id="{BC9B0829-03B9-4296-89DC-99C9BCC77691}" type="datetimeFigureOut">
               <a:rPr lang="es-ES" smtClean="0"/>
-              <a:t>04/06/2025</a:t>
+              <a:t>05/06/2025</a:t>
             </a:fld>
             <a:endParaRPr lang="es-ES"/>
           </a:p>
@@ -2920,7 +3363,7 @@
           <a:p>
             <a:fld id="{50DB69DA-3702-4B4C-ADB0-490D7CB8D72E}" type="slidenum">
               <a:rPr lang="es-ES" smtClean="0"/>
-              <a:t>‹Nº›</a:t>
+              <a:t>‹#›</a:t>
             </a:fld>
             <a:endParaRPr lang="es-ES"/>
           </a:p>
@@ -3048,7 +3491,7 @@
           <a:p>
             <a:fld id="{BC9B0829-03B9-4296-89DC-99C9BCC77691}" type="datetimeFigureOut">
               <a:rPr lang="es-ES" smtClean="0"/>
-              <a:t>04/06/2025</a:t>
+              <a:t>05/06/2025</a:t>
             </a:fld>
             <a:endParaRPr lang="es-ES"/>
           </a:p>
@@ -3090,7 +3533,7 @@
           <a:p>
             <a:fld id="{50DB69DA-3702-4B4C-ADB0-490D7CB8D72E}" type="slidenum">
               <a:rPr lang="es-ES" smtClean="0"/>
-              <a:t>‹Nº›</a:t>
+              <a:t>‹#›</a:t>
             </a:fld>
             <a:endParaRPr lang="es-ES"/>
           </a:p>
@@ -3228,7 +3671,7 @@
           <a:p>
             <a:fld id="{BC9B0829-03B9-4296-89DC-99C9BCC77691}" type="datetimeFigureOut">
               <a:rPr lang="es-ES" smtClean="0"/>
-              <a:t>04/06/2025</a:t>
+              <a:t>05/06/2025</a:t>
             </a:fld>
             <a:endParaRPr lang="es-ES"/>
           </a:p>
@@ -3270,7 +3713,7 @@
           <a:p>
             <a:fld id="{50DB69DA-3702-4B4C-ADB0-490D7CB8D72E}" type="slidenum">
               <a:rPr lang="es-ES" smtClean="0"/>
-              <a:t>‹Nº›</a:t>
+              <a:t>‹#›</a:t>
             </a:fld>
             <a:endParaRPr lang="es-ES"/>
           </a:p>
@@ -3398,7 +3841,7 @@
           <a:p>
             <a:fld id="{BC9B0829-03B9-4296-89DC-99C9BCC77691}" type="datetimeFigureOut">
               <a:rPr lang="es-ES" smtClean="0"/>
-              <a:t>04/06/2025</a:t>
+              <a:t>05/06/2025</a:t>
             </a:fld>
             <a:endParaRPr lang="es-ES"/>
           </a:p>
@@ -3440,7 +3883,7 @@
           <a:p>
             <a:fld id="{50DB69DA-3702-4B4C-ADB0-490D7CB8D72E}" type="slidenum">
               <a:rPr lang="es-ES" smtClean="0"/>
-              <a:t>‹Nº›</a:t>
+              <a:t>‹#›</a:t>
             </a:fld>
             <a:endParaRPr lang="es-ES"/>
           </a:p>
@@ -3645,7 +4088,7 @@
           <a:p>
             <a:fld id="{BC9B0829-03B9-4296-89DC-99C9BCC77691}" type="datetimeFigureOut">
               <a:rPr lang="es-ES" smtClean="0"/>
-              <a:t>04/06/2025</a:t>
+              <a:t>05/06/2025</a:t>
             </a:fld>
             <a:endParaRPr lang="es-ES"/>
           </a:p>
@@ -3687,7 +4130,7 @@
           <a:p>
             <a:fld id="{50DB69DA-3702-4B4C-ADB0-490D7CB8D72E}" type="slidenum">
               <a:rPr lang="es-ES" smtClean="0"/>
-              <a:t>‹Nº›</a:t>
+              <a:t>‹#›</a:t>
             </a:fld>
             <a:endParaRPr lang="es-ES"/>
           </a:p>
@@ -3937,7 +4380,7 @@
           <a:p>
             <a:fld id="{BC9B0829-03B9-4296-89DC-99C9BCC77691}" type="datetimeFigureOut">
               <a:rPr lang="es-ES" smtClean="0"/>
-              <a:t>04/06/2025</a:t>
+              <a:t>05/06/2025</a:t>
             </a:fld>
             <a:endParaRPr lang="es-ES"/>
           </a:p>
@@ -3979,7 +4422,7 @@
           <a:p>
             <a:fld id="{50DB69DA-3702-4B4C-ADB0-490D7CB8D72E}" type="slidenum">
               <a:rPr lang="es-ES" smtClean="0"/>
-              <a:t>‹Nº›</a:t>
+              <a:t>‹#›</a:t>
             </a:fld>
             <a:endParaRPr lang="es-ES"/>
           </a:p>
@@ -4381,7 +4824,7 @@
           <a:p>
             <a:fld id="{BC9B0829-03B9-4296-89DC-99C9BCC77691}" type="datetimeFigureOut">
               <a:rPr lang="es-ES" smtClean="0"/>
-              <a:t>04/06/2025</a:t>
+              <a:t>05/06/2025</a:t>
             </a:fld>
             <a:endParaRPr lang="es-ES"/>
           </a:p>
@@ -4423,7 +4866,7 @@
           <a:p>
             <a:fld id="{50DB69DA-3702-4B4C-ADB0-490D7CB8D72E}" type="slidenum">
               <a:rPr lang="es-ES" smtClean="0"/>
-              <a:t>‹Nº›</a:t>
+              <a:t>‹#›</a:t>
             </a:fld>
             <a:endParaRPr lang="es-ES"/>
           </a:p>
@@ -4499,7 +4942,7 @@
           <a:p>
             <a:fld id="{BC9B0829-03B9-4296-89DC-99C9BCC77691}" type="datetimeFigureOut">
               <a:rPr lang="es-ES" smtClean="0"/>
-              <a:t>04/06/2025</a:t>
+              <a:t>05/06/2025</a:t>
             </a:fld>
             <a:endParaRPr lang="es-ES"/>
           </a:p>
@@ -4541,7 +4984,7 @@
           <a:p>
             <a:fld id="{50DB69DA-3702-4B4C-ADB0-490D7CB8D72E}" type="slidenum">
               <a:rPr lang="es-ES" smtClean="0"/>
-              <a:t>‹Nº›</a:t>
+              <a:t>‹#›</a:t>
             </a:fld>
             <a:endParaRPr lang="es-ES"/>
           </a:p>
@@ -4594,7 +5037,7 @@
           <a:p>
             <a:fld id="{BC9B0829-03B9-4296-89DC-99C9BCC77691}" type="datetimeFigureOut">
               <a:rPr lang="es-ES" smtClean="0"/>
-              <a:t>04/06/2025</a:t>
+              <a:t>05/06/2025</a:t>
             </a:fld>
             <a:endParaRPr lang="es-ES"/>
           </a:p>
@@ -4636,7 +5079,7 @@
           <a:p>
             <a:fld id="{50DB69DA-3702-4B4C-ADB0-490D7CB8D72E}" type="slidenum">
               <a:rPr lang="es-ES" smtClean="0"/>
-              <a:t>‹Nº›</a:t>
+              <a:t>‹#›</a:t>
             </a:fld>
             <a:endParaRPr lang="es-ES"/>
           </a:p>
@@ -4873,7 +5316,7 @@
           <a:p>
             <a:fld id="{BC9B0829-03B9-4296-89DC-99C9BCC77691}" type="datetimeFigureOut">
               <a:rPr lang="es-ES" smtClean="0"/>
-              <a:t>04/06/2025</a:t>
+              <a:t>05/06/2025</a:t>
             </a:fld>
             <a:endParaRPr lang="es-ES"/>
           </a:p>
@@ -4915,7 +5358,7 @@
           <a:p>
             <a:fld id="{50DB69DA-3702-4B4C-ADB0-490D7CB8D72E}" type="slidenum">
               <a:rPr lang="es-ES" smtClean="0"/>
-              <a:t>‹Nº›</a:t>
+              <a:t>‹#›</a:t>
             </a:fld>
             <a:endParaRPr lang="es-ES"/>
           </a:p>
@@ -5148,7 +5591,7 @@
           <a:p>
             <a:fld id="{BC9B0829-03B9-4296-89DC-99C9BCC77691}" type="datetimeFigureOut">
               <a:rPr lang="es-ES" smtClean="0"/>
-              <a:t>04/06/2025</a:t>
+              <a:t>05/06/2025</a:t>
             </a:fld>
             <a:endParaRPr lang="es-ES"/>
           </a:p>
@@ -5190,7 +5633,7 @@
           <a:p>
             <a:fld id="{50DB69DA-3702-4B4C-ADB0-490D7CB8D72E}" type="slidenum">
               <a:rPr lang="es-ES" smtClean="0"/>
-              <a:t>‹Nº›</a:t>
+              <a:t>‹#›</a:t>
             </a:fld>
             <a:endParaRPr lang="es-ES"/>
           </a:p>
@@ -5577,7 +6020,7 @@
           <a:p>
             <a:fld id="{BC9B0829-03B9-4296-89DC-99C9BCC77691}" type="datetimeFigureOut">
               <a:rPr lang="es-ES" smtClean="0"/>
-              <a:t>04/06/2025</a:t>
+              <a:t>05/06/2025</a:t>
             </a:fld>
             <a:endParaRPr lang="es-ES"/>
           </a:p>
@@ -5656,7 +6099,7 @@
           <a:p>
             <a:fld id="{50DB69DA-3702-4B4C-ADB0-490D7CB8D72E}" type="slidenum">
               <a:rPr lang="es-ES" smtClean="0"/>
-              <a:t>‹Nº›</a:t>
+              <a:t>‹#›</a:t>
             </a:fld>
             <a:endParaRPr lang="es-ES"/>
           </a:p>
@@ -6395,8 +6838,8 @@
           <a:chExt cx="0" cy="0"/>
         </a:xfrm>
       </p:grpSpPr>
-      <mc:AlternateContent xmlns:mc="http://schemas.openxmlformats.org/markup-compatibility/2006">
-        <mc:Choice xmlns:a14="http://schemas.microsoft.com/office/drawing/2010/main" Requires="a14">
+      <mc:AlternateContent xmlns:mc="http://schemas.openxmlformats.org/markup-compatibility/2006" xmlns:a14="http://schemas.microsoft.com/office/drawing/2010/main">
+        <mc:Choice Requires="a14">
           <p:sp>
             <p:nvSpPr>
               <p:cNvPr id="2" name="Título 1">
@@ -6476,7 +6919,7 @@
             </p:txBody>
           </p:sp>
         </mc:Choice>
-        <mc:Fallback>
+        <mc:Fallback xmlns="">
           <p:sp>
             <p:nvSpPr>
               <p:cNvPr id="2" name="Título 1">
@@ -7352,8 +7795,8 @@
           <a:chExt cx="0" cy="0"/>
         </a:xfrm>
       </p:grpSpPr>
-      <mc:AlternateContent xmlns:mc="http://schemas.openxmlformats.org/markup-compatibility/2006">
-        <mc:Choice xmlns:a14="http://schemas.microsoft.com/office/drawing/2010/main" Requires="a14">
+      <mc:AlternateContent xmlns:mc="http://schemas.openxmlformats.org/markup-compatibility/2006" xmlns:a14="http://schemas.microsoft.com/office/drawing/2010/main">
+        <mc:Choice Requires="a14">
           <p:sp>
             <p:nvSpPr>
               <p:cNvPr id="2" name="Título 1">
@@ -7433,7 +7876,7 @@
             </p:txBody>
           </p:sp>
         </mc:Choice>
-        <mc:Fallback>
+        <mc:Fallback xmlns="">
           <p:sp>
             <p:nvSpPr>
               <p:cNvPr id="2" name="Título 1">
@@ -8677,8 +9120,8 @@
         </p:nvSpPr>
         <p:spPr>
           <a:xfrm>
-            <a:off x="7257328" y="2209801"/>
-            <a:ext cx="3981691" cy="4195481"/>
+            <a:off x="7247600" y="2598909"/>
+            <a:ext cx="3981691" cy="2041186"/>
           </a:xfrm>
         </p:spPr>
         <p:txBody>
@@ -8971,7 +9414,7 @@
           <p:nvPr>
             <p:extLst>
               <p:ext uri="{D42A27DB-BD31-4B8C-83A1-F6EECF244321}">
-                <p14:modId xmlns:p14="http://schemas.microsoft.com/office/powerpoint/2010/main" val="4015471907"/>
+                <p14:modId xmlns:p14="http://schemas.microsoft.com/office/powerpoint/2010/main" val="1153296317"/>
               </p:ext>
             </p:extLst>
           </p:nvPr>
@@ -9578,7 +10021,7 @@
                             <a:schemeClr val="bg1"/>
                           </a:solidFill>
                         </a:rPr>
-                        <a:t>2.8237</a:t>
+                        <a:t>28.940</a:t>
                       </a:r>
                     </a:p>
                   </a:txBody>
@@ -9612,7 +10055,7 @@
                             <a:schemeClr val="bg1"/>
                           </a:solidFill>
                         </a:rPr>
-                        <a:t>0.0985</a:t>
+                        <a:t>0.0106</a:t>
                       </a:r>
                     </a:p>
                   </a:txBody>
@@ -9870,7 +10313,7 @@
                             <a:schemeClr val="bg1"/>
                           </a:solidFill>
                         </a:rPr>
-                        <a:t>2.5425</a:t>
+                        <a:t> 30.522</a:t>
                       </a:r>
                     </a:p>
                   </a:txBody>
@@ -9904,7 +10347,7 @@
                             <a:schemeClr val="bg1"/>
                           </a:solidFill>
                         </a:rPr>
-                        <a:t>0.1108</a:t>
+                        <a:t>0.0101</a:t>
                       </a:r>
                     </a:p>
                   </a:txBody>
@@ -10159,7 +10602,7 @@
                             <a:schemeClr val="bg1"/>
                           </a:solidFill>
                         </a:rPr>
-                        <a:t>9.4011</a:t>
+                        <a:t>43.139</a:t>
                       </a:r>
                       <a:endParaRPr dirty="0">
                         <a:solidFill>
@@ -10190,7 +10633,7 @@
                             <a:schemeClr val="bg1"/>
                           </a:solidFill>
                         </a:rPr>
-                        <a:t>0.0091</a:t>
+                        <a:t>0.0007</a:t>
                       </a:r>
                       <a:endParaRPr dirty="0">
                         <a:solidFill>
@@ -10498,7 +10941,7 @@
         <p:spPr>
           <a:xfrm>
             <a:off x="963038" y="5535038"/>
-            <a:ext cx="10330775" cy="923330"/>
+            <a:ext cx="10330775" cy="646331"/>
           </a:xfrm>
           <a:prstGeom prst="rect">
             <a:avLst/>
@@ -10521,7 +10964,7 @@
             </a:r>
             <a:r>
               <a:rPr lang="es-ES" dirty="0" err="1"/>
-              <a:t>values</a:t>
+              <a:t>value</a:t>
             </a:r>
             <a:r>
               <a:rPr lang="es-ES" dirty="0"/>
@@ -10577,7 +11020,7 @@
             </a:r>
             <a:r>
               <a:rPr lang="es-ES" dirty="0" err="1"/>
-              <a:t>lower</a:t>
+              <a:t>way</a:t>
             </a:r>
             <a:r>
               <a:rPr lang="es-ES" dirty="0"/>
@@ -10585,7 +11028,7 @@
             </a:r>
             <a:r>
               <a:rPr lang="es-ES" dirty="0" err="1"/>
-              <a:t>than</a:t>
+              <a:t>lower</a:t>
             </a:r>
             <a:r>
               <a:rPr lang="es-ES" dirty="0"/>
@@ -10593,7 +11036,7 @@
             </a:r>
             <a:r>
               <a:rPr lang="es-ES" dirty="0" err="1"/>
-              <a:t>the</a:t>
+              <a:t>than</a:t>
             </a:r>
             <a:r>
               <a:rPr lang="es-ES" dirty="0"/>
@@ -10601,7 +11044,7 @@
             </a:r>
             <a:r>
               <a:rPr lang="es-ES" dirty="0" err="1"/>
-              <a:t>significance</a:t>
+              <a:t>the</a:t>
             </a:r>
             <a:r>
               <a:rPr lang="es-ES" dirty="0"/>
@@ -10609,63 +11052,7 @@
             </a:r>
             <a:r>
               <a:rPr lang="es-ES" dirty="0" err="1"/>
-              <a:t>level</a:t>
-            </a:r>
-            <a:r>
-              <a:rPr lang="es-ES" dirty="0"/>
-              <a:t>, so </a:t>
-            </a:r>
-            <a:r>
-              <a:rPr lang="es-ES" dirty="0" err="1"/>
-              <a:t>we</a:t>
-            </a:r>
-            <a:r>
-              <a:rPr lang="es-ES" dirty="0"/>
-              <a:t> </a:t>
-            </a:r>
-            <a:r>
-              <a:rPr lang="es-ES" dirty="0" err="1"/>
-              <a:t>reject</a:t>
-            </a:r>
-            <a:r>
-              <a:rPr lang="es-ES" dirty="0"/>
-              <a:t> </a:t>
-            </a:r>
-            <a:r>
-              <a:rPr lang="es-ES" dirty="0" err="1"/>
-              <a:t>the</a:t>
-            </a:r>
-            <a:r>
-              <a:rPr lang="es-ES" dirty="0"/>
-              <a:t> </a:t>
-            </a:r>
-            <a:r>
-              <a:rPr lang="es-ES" dirty="0" err="1"/>
-              <a:t>null</a:t>
-            </a:r>
-            <a:r>
-              <a:rPr lang="es-ES" dirty="0"/>
-              <a:t> </a:t>
-            </a:r>
-            <a:r>
-              <a:rPr lang="es-ES" dirty="0" err="1"/>
-              <a:t>hypothesis</a:t>
-            </a:r>
-            <a:r>
-              <a:rPr lang="es-ES" dirty="0"/>
-              <a:t> </a:t>
-            </a:r>
-            <a:r>
-              <a:rPr lang="es-ES" dirty="0" err="1"/>
-              <a:t>of</a:t>
-            </a:r>
-            <a:r>
-              <a:rPr lang="es-ES" dirty="0"/>
-              <a:t> IID </a:t>
-            </a:r>
-            <a:r>
-              <a:rPr lang="es-ES" dirty="0" err="1"/>
-              <a:t>residuals</a:t>
+              <a:t>rest</a:t>
             </a:r>
             <a:r>
               <a:rPr lang="es-ES" dirty="0"/>
@@ -11119,6 +11506,437 @@
       </p:grpSpPr>
       <p:sp>
         <p:nvSpPr>
+          <p:cNvPr id="2" name="Title 1">
+            <a:extLst>
+              <a:ext uri="{FF2B5EF4-FFF2-40B4-BE49-F238E27FC236}">
+                <a16:creationId xmlns:a16="http://schemas.microsoft.com/office/drawing/2014/main" id="{F9336736-1D68-396E-A098-ED45AAEAFCFD}"/>
+              </a:ext>
+            </a:extLst>
+          </p:cNvPr>
+          <p:cNvSpPr>
+            <a:spLocks noGrp="1"/>
+          </p:cNvSpPr>
+          <p:nvPr>
+            <p:ph type="title"/>
+          </p:nvPr>
+        </p:nvSpPr>
+        <p:spPr/>
+        <p:txBody>
+          <a:bodyPr/>
+          <a:lstStyle/>
+          <a:p>
+            <a:r>
+              <a:rPr lang="es-ES" dirty="0" err="1"/>
+              <a:t>Sample</a:t>
+            </a:r>
+            <a:r>
+              <a:rPr lang="es-ES" dirty="0"/>
+              <a:t> ACF Test</a:t>
+            </a:r>
+          </a:p>
+        </p:txBody>
+      </p:sp>
+      <p:sp>
+        <p:nvSpPr>
+          <p:cNvPr id="4" name="AutoShape 2">
+            <a:extLst>
+              <a:ext uri="{FF2B5EF4-FFF2-40B4-BE49-F238E27FC236}">
+                <a16:creationId xmlns:a16="http://schemas.microsoft.com/office/drawing/2014/main" id="{34C23C72-5523-707A-D490-619CBFA8C7E6}"/>
+              </a:ext>
+            </a:extLst>
+          </p:cNvPr>
+          <p:cNvSpPr>
+            <a:spLocks noChangeAspect="1" noChangeArrowheads="1"/>
+          </p:cNvSpPr>
+          <p:nvPr/>
+        </p:nvSpPr>
+        <p:spPr bwMode="auto">
+          <a:xfrm>
+            <a:off x="5943600" y="3276600"/>
+            <a:ext cx="304800" cy="304800"/>
+          </a:xfrm>
+          <a:prstGeom prst="rect">
+            <a:avLst/>
+          </a:prstGeom>
+          <a:noFill/>
+          <a:extLst>
+            <a:ext uri="{909E8E84-426E-40DD-AFC4-6F175D3DCCD1}">
+              <a14:hiddenFill xmlns:a14="http://schemas.microsoft.com/office/drawing/2010/main">
+                <a:solidFill>
+                  <a:srgbClr val="FFFFFF"/>
+                </a:solidFill>
+              </a14:hiddenFill>
+            </a:ext>
+          </a:extLst>
+        </p:spPr>
+        <p:txBody>
+          <a:bodyPr vert="horz" wrap="square" lIns="91440" tIns="45720" rIns="91440" bIns="45720" numCol="1" anchor="t" anchorCtr="0" compatLnSpc="1">
+            <a:prstTxWarp prst="textNoShape">
+              <a:avLst/>
+            </a:prstTxWarp>
+          </a:bodyPr>
+          <a:lstStyle/>
+          <a:p>
+            <a:endParaRPr lang="es-ES"/>
+          </a:p>
+        </p:txBody>
+      </p:sp>
+      <p:pic>
+        <p:nvPicPr>
+          <p:cNvPr id="6" name="Picture 5">
+            <a:extLst>
+              <a:ext uri="{FF2B5EF4-FFF2-40B4-BE49-F238E27FC236}">
+                <a16:creationId xmlns:a16="http://schemas.microsoft.com/office/drawing/2014/main" id="{C471F304-BEF4-7899-9C84-F636719C4EAA}"/>
+              </a:ext>
+            </a:extLst>
+          </p:cNvPr>
+          <p:cNvPicPr>
+            <a:picLocks noChangeAspect="1"/>
+          </p:cNvPicPr>
+          <p:nvPr/>
+        </p:nvPicPr>
+        <p:blipFill>
+          <a:blip r:embed="rId3"/>
+          <a:stretch>
+            <a:fillRect/>
+          </a:stretch>
+        </p:blipFill>
+        <p:spPr>
+          <a:xfrm>
+            <a:off x="319932" y="1833663"/>
+            <a:ext cx="7335881" cy="3828412"/>
+          </a:xfrm>
+          <a:prstGeom prst="rect">
+            <a:avLst/>
+          </a:prstGeom>
+        </p:spPr>
+      </p:pic>
+      <p:graphicFrame>
+        <p:nvGraphicFramePr>
+          <p:cNvPr id="14" name="Table 13">
+            <a:extLst>
+              <a:ext uri="{FF2B5EF4-FFF2-40B4-BE49-F238E27FC236}">
+                <a16:creationId xmlns:a16="http://schemas.microsoft.com/office/drawing/2014/main" id="{A0CF9381-CF5A-1918-5DE5-53CEAF63A24F}"/>
+              </a:ext>
+            </a:extLst>
+          </p:cNvPr>
+          <p:cNvGraphicFramePr>
+            <a:graphicFrameLocks noGrp="1"/>
+          </p:cNvGraphicFramePr>
+          <p:nvPr>
+            <p:extLst>
+              <p:ext uri="{D42A27DB-BD31-4B8C-83A1-F6EECF244321}">
+                <p14:modId xmlns:p14="http://schemas.microsoft.com/office/powerpoint/2010/main" val="1291361971"/>
+              </p:ext>
+            </p:extLst>
+          </p:nvPr>
+        </p:nvGraphicFramePr>
+        <p:xfrm>
+          <a:off x="7976679" y="3747869"/>
+          <a:ext cx="3492231" cy="1483360"/>
+        </p:xfrm>
+        <a:graphic>
+          <a:graphicData uri="http://schemas.openxmlformats.org/drawingml/2006/table">
+            <a:tbl>
+              <a:tblPr firstRow="1" bandRow="1">
+                <a:tableStyleId>{35758FB7-9AC5-4552-8A53-C91805E547FA}</a:tableStyleId>
+              </a:tblPr>
+              <a:tblGrid>
+                <a:gridCol w="1164077">
+                  <a:extLst>
+                    <a:ext uri="{9D8B030D-6E8A-4147-A177-3AD203B41FA5}">
+                      <a16:colId xmlns:a16="http://schemas.microsoft.com/office/drawing/2014/main" val="1424387581"/>
+                    </a:ext>
+                  </a:extLst>
+                </a:gridCol>
+                <a:gridCol w="1164077">
+                  <a:extLst>
+                    <a:ext uri="{9D8B030D-6E8A-4147-A177-3AD203B41FA5}">
+                      <a16:colId xmlns:a16="http://schemas.microsoft.com/office/drawing/2014/main" val="586769254"/>
+                    </a:ext>
+                  </a:extLst>
+                </a:gridCol>
+                <a:gridCol w="1164077">
+                  <a:extLst>
+                    <a:ext uri="{9D8B030D-6E8A-4147-A177-3AD203B41FA5}">
+                      <a16:colId xmlns:a16="http://schemas.microsoft.com/office/drawing/2014/main" val="1602649214"/>
+                    </a:ext>
+                  </a:extLst>
+                </a:gridCol>
+              </a:tblGrid>
+              <a:tr h="370840">
+                <a:tc>
+                  <a:txBody>
+                    <a:bodyPr/>
+                    <a:lstStyle/>
+                    <a:p>
+                      <a:r>
+                        <a:rPr lang="es-ES" dirty="0" err="1"/>
+                        <a:t>Model</a:t>
+                      </a:r>
+                      <a:endParaRPr lang="es-ES" dirty="0"/>
+                    </a:p>
+                  </a:txBody>
+                  <a:tcPr/>
+                </a:tc>
+                <a:tc>
+                  <a:txBody>
+                    <a:bodyPr/>
+                    <a:lstStyle/>
+                    <a:p>
+                      <a:r>
+                        <a:rPr lang="es-ES" dirty="0" err="1"/>
+                        <a:t>Number</a:t>
+                      </a:r>
+                      <a:endParaRPr lang="es-ES" dirty="0"/>
+                    </a:p>
+                  </a:txBody>
+                  <a:tcPr/>
+                </a:tc>
+                <a:tc>
+                  <a:txBody>
+                    <a:bodyPr/>
+                    <a:lstStyle/>
+                    <a:p>
+                      <a:r>
+                        <a:rPr lang="es-ES" dirty="0"/>
+                        <a:t>%</a:t>
+                      </a:r>
+                    </a:p>
+                  </a:txBody>
+                  <a:tcPr/>
+                </a:tc>
+                <a:extLst>
+                  <a:ext uri="{0D108BD9-81ED-4DB2-BD59-A6C34878D82A}">
+                    <a16:rowId xmlns:a16="http://schemas.microsoft.com/office/drawing/2014/main" val="407318131"/>
+                  </a:ext>
+                </a:extLst>
+              </a:tr>
+              <a:tr h="370840">
+                <a:tc>
+                  <a:txBody>
+                    <a:bodyPr/>
+                    <a:lstStyle/>
+                    <a:p>
+                      <a:r>
+                        <a:rPr lang="es-ES" dirty="0"/>
+                        <a:t>2</a:t>
+                      </a:r>
+                    </a:p>
+                  </a:txBody>
+                  <a:tcPr/>
+                </a:tc>
+                <a:tc>
+                  <a:txBody>
+                    <a:bodyPr/>
+                    <a:lstStyle/>
+                    <a:p>
+                      <a:r>
+                        <a:rPr lang="es-ES" dirty="0"/>
+                        <a:t>3</a:t>
+                      </a:r>
+                    </a:p>
+                  </a:txBody>
+                  <a:tcPr/>
+                </a:tc>
+                <a:tc>
+                  <a:txBody>
+                    <a:bodyPr/>
+                    <a:lstStyle/>
+                    <a:p>
+                      <a:r>
+                        <a:rPr lang="es-ES" dirty="0"/>
+                        <a:t>2,94</a:t>
+                      </a:r>
+                    </a:p>
+                  </a:txBody>
+                  <a:tcPr/>
+                </a:tc>
+                <a:extLst>
+                  <a:ext uri="{0D108BD9-81ED-4DB2-BD59-A6C34878D82A}">
+                    <a16:rowId xmlns:a16="http://schemas.microsoft.com/office/drawing/2014/main" val="3641196981"/>
+                  </a:ext>
+                </a:extLst>
+              </a:tr>
+              <a:tr h="370840">
+                <a:tc>
+                  <a:txBody>
+                    <a:bodyPr/>
+                    <a:lstStyle/>
+                    <a:p>
+                      <a:r>
+                        <a:rPr lang="es-ES" dirty="0"/>
+                        <a:t>3</a:t>
+                      </a:r>
+                    </a:p>
+                  </a:txBody>
+                  <a:tcPr/>
+                </a:tc>
+                <a:tc>
+                  <a:txBody>
+                    <a:bodyPr/>
+                    <a:lstStyle/>
+                    <a:p>
+                      <a:r>
+                        <a:rPr lang="es-ES" dirty="0"/>
+                        <a:t>6</a:t>
+                      </a:r>
+                    </a:p>
+                  </a:txBody>
+                  <a:tcPr/>
+                </a:tc>
+                <a:tc>
+                  <a:txBody>
+                    <a:bodyPr/>
+                    <a:lstStyle/>
+                    <a:p>
+                      <a:r>
+                        <a:rPr lang="es-ES" dirty="0"/>
+                        <a:t>5,88</a:t>
+                      </a:r>
+                    </a:p>
+                  </a:txBody>
+                  <a:tcPr/>
+                </a:tc>
+                <a:extLst>
+                  <a:ext uri="{0D108BD9-81ED-4DB2-BD59-A6C34878D82A}">
+                    <a16:rowId xmlns:a16="http://schemas.microsoft.com/office/drawing/2014/main" val="3972896089"/>
+                  </a:ext>
+                </a:extLst>
+              </a:tr>
+              <a:tr h="370840">
+                <a:tc>
+                  <a:txBody>
+                    <a:bodyPr/>
+                    <a:lstStyle/>
+                    <a:p>
+                      <a:r>
+                        <a:rPr lang="es-ES" dirty="0"/>
+                        <a:t>5</a:t>
+                      </a:r>
+                    </a:p>
+                  </a:txBody>
+                  <a:tcPr/>
+                </a:tc>
+                <a:tc>
+                  <a:txBody>
+                    <a:bodyPr/>
+                    <a:lstStyle/>
+                    <a:p>
+                      <a:r>
+                        <a:rPr lang="es-ES" dirty="0"/>
+                        <a:t>8</a:t>
+                      </a:r>
+                    </a:p>
+                  </a:txBody>
+                  <a:tcPr/>
+                </a:tc>
+                <a:tc>
+                  <a:txBody>
+                    <a:bodyPr/>
+                    <a:lstStyle/>
+                    <a:p>
+                      <a:r>
+                        <a:rPr lang="es-ES" dirty="0"/>
+                        <a:t>7,84</a:t>
+                      </a:r>
+                    </a:p>
+                  </a:txBody>
+                  <a:tcPr/>
+                </a:tc>
+                <a:extLst>
+                  <a:ext uri="{0D108BD9-81ED-4DB2-BD59-A6C34878D82A}">
+                    <a16:rowId xmlns:a16="http://schemas.microsoft.com/office/drawing/2014/main" val="1295012381"/>
+                  </a:ext>
+                </a:extLst>
+              </a:tr>
+            </a:tbl>
+          </a:graphicData>
+        </a:graphic>
+      </p:graphicFrame>
+      <p:sp>
+        <p:nvSpPr>
+          <p:cNvPr id="15" name="TextBox 14">
+            <a:extLst>
+              <a:ext uri="{FF2B5EF4-FFF2-40B4-BE49-F238E27FC236}">
+                <a16:creationId xmlns:a16="http://schemas.microsoft.com/office/drawing/2014/main" id="{E3F34978-686C-CCAF-536C-9C3E1052830B}"/>
+              </a:ext>
+            </a:extLst>
+          </p:cNvPr>
+          <p:cNvSpPr txBox="1"/>
+          <p:nvPr/>
+        </p:nvSpPr>
+        <p:spPr>
+          <a:xfrm>
+            <a:off x="7976679" y="1833663"/>
+            <a:ext cx="2889115" cy="923330"/>
+          </a:xfrm>
+          <a:prstGeom prst="rect">
+            <a:avLst/>
+          </a:prstGeom>
+          <a:noFill/>
+        </p:spPr>
+        <p:txBody>
+          <a:bodyPr wrap="square" rtlCol="0">
+            <a:spAutoFit/>
+          </a:bodyPr>
+          <a:lstStyle/>
+          <a:p>
+            <a:r>
+              <a:rPr lang="es-ES" dirty="0"/>
+              <a:t>n=408</a:t>
+            </a:r>
+          </a:p>
+          <a:p>
+            <a:r>
+              <a:rPr lang="es-ES" dirty="0"/>
+              <a:t>h=n/4=102</a:t>
+            </a:r>
+          </a:p>
+          <a:p>
+            <a:r>
+              <a:rPr lang="es-ES" dirty="0" err="1"/>
+              <a:t>Bound</a:t>
+            </a:r>
+            <a:r>
+              <a:rPr lang="es-ES" dirty="0"/>
+              <a:t>=+-0,099</a:t>
+            </a:r>
+          </a:p>
+        </p:txBody>
+      </p:sp>
+    </p:spTree>
+    <p:extLst>
+      <p:ext uri="{BB962C8B-B14F-4D97-AF65-F5344CB8AC3E}">
+        <p14:creationId xmlns:p14="http://schemas.microsoft.com/office/powerpoint/2010/main" val="458682139"/>
+      </p:ext>
+    </p:extLst>
+  </p:cSld>
+  <p:clrMapOvr>
+    <a:masterClrMapping/>
+  </p:clrMapOvr>
+</p:sld>
+</file>
+
+<file path=ppt/slides/slide19.xml><?xml version="1.0" encoding="utf-8"?>
+<p:sld xmlns:a="http://schemas.openxmlformats.org/drawingml/2006/main" xmlns:r="http://schemas.openxmlformats.org/officeDocument/2006/relationships" xmlns:p="http://schemas.openxmlformats.org/presentationml/2006/main">
+  <p:cSld>
+    <p:spTree>
+      <p:nvGrpSpPr>
+        <p:cNvPr id="1" name=""/>
+        <p:cNvGrpSpPr/>
+        <p:nvPr/>
+      </p:nvGrpSpPr>
+      <p:grpSpPr>
+        <a:xfrm>
+          <a:off x="0" y="0"/>
+          <a:ext cx="0" cy="0"/>
+          <a:chOff x="0" y="0"/>
+          <a:chExt cx="0" cy="0"/>
+        </a:xfrm>
+      </p:grpSpPr>
+      <p:sp>
+        <p:nvSpPr>
           <p:cNvPr id="2" name="Título 1">
             <a:extLst>
               <a:ext uri="{FF2B5EF4-FFF2-40B4-BE49-F238E27FC236}">
@@ -11170,8 +11988,12 @@
               <a:lstStyle/>
               <a:p>
                 <a:r>
+                  <a:rPr lang="es-ES" dirty="0" err="1"/>
+                  <a:t>By</a:t>
+                </a:r>
+                <a:r>
                   <a:rPr lang="es-ES" dirty="0"/>
-                  <a:t>By </a:t>
+                  <a:t> </a:t>
                 </a:r>
                 <a:r>
                   <a:rPr lang="es-ES" dirty="0" err="1"/>
@@ -11252,6 +12074,80 @@
                 <a:r>
                   <a:rPr lang="es-ES" dirty="0"/>
                   <a:t> 3.</a:t>
+                </a:r>
+              </a:p>
+              <a:p>
+                <a:r>
+                  <a:rPr lang="es-ES" dirty="0" err="1"/>
+                  <a:t>Model</a:t>
+                </a:r>
+                <a:r>
+                  <a:rPr lang="es-ES" dirty="0"/>
+                  <a:t> 2 </a:t>
+                </a:r>
+                <a:r>
+                  <a:rPr lang="es-ES" dirty="0" err="1"/>
+                  <a:t>is</a:t>
+                </a:r>
+                <a:r>
+                  <a:rPr lang="es-ES" dirty="0"/>
+                  <a:t> </a:t>
+                </a:r>
+                <a:r>
+                  <a:rPr lang="es-ES" dirty="0" err="1"/>
+                  <a:t>the</a:t>
+                </a:r>
+                <a:r>
+                  <a:rPr lang="es-ES" dirty="0"/>
+                  <a:t> </a:t>
+                </a:r>
+                <a:r>
+                  <a:rPr lang="es-ES" dirty="0" err="1"/>
+                  <a:t>only</a:t>
+                </a:r>
+                <a:r>
+                  <a:rPr lang="es-ES" dirty="0"/>
+                  <a:t> </a:t>
+                </a:r>
+                <a:r>
+                  <a:rPr lang="es-ES" dirty="0" err="1"/>
+                  <a:t>one</a:t>
+                </a:r>
+                <a:r>
+                  <a:rPr lang="es-ES" dirty="0"/>
+                  <a:t> </a:t>
+                </a:r>
+                <a:r>
+                  <a:rPr lang="es-ES" dirty="0" err="1"/>
+                  <a:t>that</a:t>
+                </a:r>
+                <a:r>
+                  <a:rPr lang="es-ES" dirty="0"/>
+                  <a:t> </a:t>
+                </a:r>
+                <a:r>
+                  <a:rPr lang="es-ES" dirty="0" err="1"/>
+                  <a:t>passes</a:t>
+                </a:r>
+                <a:r>
+                  <a:rPr lang="es-ES" dirty="0"/>
+                  <a:t> </a:t>
+                </a:r>
+                <a:r>
+                  <a:rPr lang="es-ES" dirty="0" err="1"/>
+                  <a:t>the</a:t>
+                </a:r>
+                <a:r>
+                  <a:rPr lang="es-ES" dirty="0"/>
+                  <a:t> ACF </a:t>
+                </a:r>
+                <a:r>
+                  <a:rPr lang="es-ES" dirty="0" err="1"/>
+                  <a:t>sample</a:t>
+                </a:r>
+                <a:r>
+                  <a:rPr lang="es-ES" dirty="0"/>
+                  <a:t> test</a:t>
                 </a:r>
               </a:p>
               <a:p>
@@ -12029,7 +12925,7 @@
               <a:blipFill>
                 <a:blip r:embed="rId2"/>
                 <a:stretch>
-                  <a:fillRect l="-341" t="-872"/>
+                  <a:fillRect l="-341" t="-872" b="-2762"/>
                 </a:stretch>
               </a:blipFill>
             </p:spPr>
@@ -12061,7 +12957,172 @@
 </p:sld>
 </file>
 
-<file path=ppt/slides/slide19.xml><?xml version="1.0" encoding="utf-8"?>
+<file path=ppt/slides/slide2.xml><?xml version="1.0" encoding="utf-8"?>
+<p:sld xmlns:a="http://schemas.openxmlformats.org/drawingml/2006/main" xmlns:r="http://schemas.openxmlformats.org/officeDocument/2006/relationships" xmlns:p="http://schemas.openxmlformats.org/presentationml/2006/main">
+  <p:cSld>
+    <p:spTree>
+      <p:nvGrpSpPr>
+        <p:cNvPr id="1" name=""/>
+        <p:cNvGrpSpPr/>
+        <p:nvPr/>
+      </p:nvGrpSpPr>
+      <p:grpSpPr>
+        <a:xfrm>
+          <a:off x="0" y="0"/>
+          <a:ext cx="0" cy="0"/>
+          <a:chOff x="0" y="0"/>
+          <a:chExt cx="0" cy="0"/>
+        </a:xfrm>
+      </p:grpSpPr>
+      <p:sp>
+        <p:nvSpPr>
+          <p:cNvPr id="2" name="Título 1">
+            <a:extLst>
+              <a:ext uri="{FF2B5EF4-FFF2-40B4-BE49-F238E27FC236}">
+                <a16:creationId xmlns:a16="http://schemas.microsoft.com/office/drawing/2014/main" id="{23D75618-1956-FA47-4DEA-A7EA446C5E28}"/>
+              </a:ext>
+            </a:extLst>
+          </p:cNvPr>
+          <p:cNvSpPr>
+            <a:spLocks noGrp="1"/>
+          </p:cNvSpPr>
+          <p:nvPr>
+            <p:ph type="title"/>
+          </p:nvPr>
+        </p:nvSpPr>
+        <p:spPr/>
+        <p:txBody>
+          <a:bodyPr/>
+          <a:lstStyle/>
+          <a:p>
+            <a:r>
+              <a:rPr lang="en-GB" noProof="0" dirty="0"/>
+              <a:t>Data exploration</a:t>
+            </a:r>
+          </a:p>
+        </p:txBody>
+      </p:sp>
+      <p:pic>
+        <p:nvPicPr>
+          <p:cNvPr id="25" name="Marcador de contenido 24" descr="Gráfico, Gráfico de dispersión&#10;&#10;El contenido generado por IA puede ser incorrecto.">
+            <a:extLst>
+              <a:ext uri="{FF2B5EF4-FFF2-40B4-BE49-F238E27FC236}">
+                <a16:creationId xmlns:a16="http://schemas.microsoft.com/office/drawing/2014/main" id="{BC57DF02-1D4B-9575-08EC-05FC569B116E}"/>
+              </a:ext>
+            </a:extLst>
+          </p:cNvPr>
+          <p:cNvPicPr>
+            <a:picLocks noGrp="1" noChangeAspect="1"/>
+          </p:cNvPicPr>
+          <p:nvPr>
+            <p:ph idx="1"/>
+          </p:nvPr>
+        </p:nvPicPr>
+        <p:blipFill>
+          <a:blip r:embed="rId2">
+            <a:extLst>
+              <a:ext uri="{28A0092B-C50C-407E-A947-70E740481C1C}">
+                <a14:useLocalDpi xmlns:a14="http://schemas.microsoft.com/office/drawing/2010/main" val="0"/>
+              </a:ext>
+            </a:extLst>
+          </a:blip>
+          <a:stretch>
+            <a:fillRect/>
+          </a:stretch>
+        </p:blipFill>
+        <p:spPr>
+          <a:xfrm>
+            <a:off x="262997" y="1853248"/>
+            <a:ext cx="6526217" cy="3633152"/>
+          </a:xfrm>
+        </p:spPr>
+      </p:pic>
+      <p:sp>
+        <p:nvSpPr>
+          <p:cNvPr id="26" name="CuadroTexto 25">
+            <a:extLst>
+              <a:ext uri="{FF2B5EF4-FFF2-40B4-BE49-F238E27FC236}">
+                <a16:creationId xmlns:a16="http://schemas.microsoft.com/office/drawing/2014/main" id="{A1EDC4DE-A236-A341-888A-FA28252F78FD}"/>
+              </a:ext>
+            </a:extLst>
+          </p:cNvPr>
+          <p:cNvSpPr txBox="1"/>
+          <p:nvPr/>
+        </p:nvSpPr>
+        <p:spPr>
+          <a:xfrm>
+            <a:off x="7330633" y="2296414"/>
+            <a:ext cx="4861367" cy="2265172"/>
+          </a:xfrm>
+          <a:prstGeom prst="rect">
+            <a:avLst/>
+          </a:prstGeom>
+          <a:noFill/>
+        </p:spPr>
+        <p:txBody>
+          <a:bodyPr wrap="square" rtlCol="0">
+            <a:spAutoFit/>
+          </a:bodyPr>
+          <a:lstStyle/>
+          <a:p>
+            <a:pPr marL="285750" indent="-285750">
+              <a:lnSpc>
+                <a:spcPct val="250000"/>
+              </a:lnSpc>
+              <a:buFont typeface="Arial" panose="020B0604020202020204" pitchFamily="34" charset="0"/>
+              <a:buChar char="•"/>
+            </a:pPr>
+            <a:r>
+              <a:rPr lang="en-GB" sz="2000" noProof="0" dirty="0"/>
+              <a:t>There is a trend</a:t>
+            </a:r>
+            <a:r>
+              <a:rPr lang="en-GB" sz="2000" dirty="0"/>
+              <a:t> component</a:t>
+            </a:r>
+          </a:p>
+          <a:p>
+            <a:pPr marL="285750" indent="-285750">
+              <a:lnSpc>
+                <a:spcPct val="250000"/>
+              </a:lnSpc>
+              <a:buFont typeface="Arial" panose="020B0604020202020204" pitchFamily="34" charset="0"/>
+              <a:buChar char="•"/>
+            </a:pPr>
+            <a:r>
+              <a:rPr lang="en-GB" sz="2000" noProof="0" dirty="0"/>
+              <a:t>The variance is not constant</a:t>
+            </a:r>
+          </a:p>
+          <a:p>
+            <a:pPr marL="285750" indent="-285750">
+              <a:lnSpc>
+                <a:spcPct val="250000"/>
+              </a:lnSpc>
+              <a:buFont typeface="Arial" panose="020B0604020202020204" pitchFamily="34" charset="0"/>
+              <a:buChar char="•"/>
+            </a:pPr>
+            <a:r>
+              <a:rPr lang="en-GB" sz="2000" noProof="0" dirty="0"/>
+              <a:t>There are signs of seasonality</a:t>
+            </a:r>
+          </a:p>
+        </p:txBody>
+      </p:sp>
+    </p:spTree>
+    <p:extLst>
+      <p:ext uri="{BB962C8B-B14F-4D97-AF65-F5344CB8AC3E}">
+        <p14:creationId xmlns:p14="http://schemas.microsoft.com/office/powerpoint/2010/main" val="3557203538"/>
+      </p:ext>
+    </p:extLst>
+  </p:cSld>
+  <p:clrMapOvr>
+    <a:masterClrMapping/>
+  </p:clrMapOvr>
+</p:sld>
+</file>
+
+<file path=ppt/slides/slide20.xml><?xml version="1.0" encoding="utf-8"?>
 <p:sld xmlns:a="http://schemas.openxmlformats.org/drawingml/2006/main" xmlns:r="http://schemas.openxmlformats.org/officeDocument/2006/relationships" xmlns:p="http://schemas.openxmlformats.org/presentationml/2006/main">
   <p:cSld>
     <p:spTree>
@@ -12324,172 +13385,7 @@
 </p:sld>
 </file>
 
-<file path=ppt/slides/slide2.xml><?xml version="1.0" encoding="utf-8"?>
-<p:sld xmlns:a="http://schemas.openxmlformats.org/drawingml/2006/main" xmlns:r="http://schemas.openxmlformats.org/officeDocument/2006/relationships" xmlns:p="http://schemas.openxmlformats.org/presentationml/2006/main">
-  <p:cSld>
-    <p:spTree>
-      <p:nvGrpSpPr>
-        <p:cNvPr id="1" name=""/>
-        <p:cNvGrpSpPr/>
-        <p:nvPr/>
-      </p:nvGrpSpPr>
-      <p:grpSpPr>
-        <a:xfrm>
-          <a:off x="0" y="0"/>
-          <a:ext cx="0" cy="0"/>
-          <a:chOff x="0" y="0"/>
-          <a:chExt cx="0" cy="0"/>
-        </a:xfrm>
-      </p:grpSpPr>
-      <p:sp>
-        <p:nvSpPr>
-          <p:cNvPr id="2" name="Título 1">
-            <a:extLst>
-              <a:ext uri="{FF2B5EF4-FFF2-40B4-BE49-F238E27FC236}">
-                <a16:creationId xmlns:a16="http://schemas.microsoft.com/office/drawing/2014/main" id="{23D75618-1956-FA47-4DEA-A7EA446C5E28}"/>
-              </a:ext>
-            </a:extLst>
-          </p:cNvPr>
-          <p:cNvSpPr>
-            <a:spLocks noGrp="1"/>
-          </p:cNvSpPr>
-          <p:nvPr>
-            <p:ph type="title"/>
-          </p:nvPr>
-        </p:nvSpPr>
-        <p:spPr/>
-        <p:txBody>
-          <a:bodyPr/>
-          <a:lstStyle/>
-          <a:p>
-            <a:r>
-              <a:rPr lang="en-GB" noProof="0" dirty="0"/>
-              <a:t>Data exploration</a:t>
-            </a:r>
-          </a:p>
-        </p:txBody>
-      </p:sp>
-      <p:pic>
-        <p:nvPicPr>
-          <p:cNvPr id="25" name="Marcador de contenido 24" descr="Gráfico, Gráfico de dispersión&#10;&#10;El contenido generado por IA puede ser incorrecto.">
-            <a:extLst>
-              <a:ext uri="{FF2B5EF4-FFF2-40B4-BE49-F238E27FC236}">
-                <a16:creationId xmlns:a16="http://schemas.microsoft.com/office/drawing/2014/main" id="{BC57DF02-1D4B-9575-08EC-05FC569B116E}"/>
-              </a:ext>
-            </a:extLst>
-          </p:cNvPr>
-          <p:cNvPicPr>
-            <a:picLocks noGrp="1" noChangeAspect="1"/>
-          </p:cNvPicPr>
-          <p:nvPr>
-            <p:ph idx="1"/>
-          </p:nvPr>
-        </p:nvPicPr>
-        <p:blipFill>
-          <a:blip r:embed="rId2">
-            <a:extLst>
-              <a:ext uri="{28A0092B-C50C-407E-A947-70E740481C1C}">
-                <a14:useLocalDpi xmlns:a14="http://schemas.microsoft.com/office/drawing/2010/main" val="0"/>
-              </a:ext>
-            </a:extLst>
-          </a:blip>
-          <a:stretch>
-            <a:fillRect/>
-          </a:stretch>
-        </p:blipFill>
-        <p:spPr>
-          <a:xfrm>
-            <a:off x="262997" y="1853248"/>
-            <a:ext cx="6526217" cy="3633152"/>
-          </a:xfrm>
-        </p:spPr>
-      </p:pic>
-      <p:sp>
-        <p:nvSpPr>
-          <p:cNvPr id="26" name="CuadroTexto 25">
-            <a:extLst>
-              <a:ext uri="{FF2B5EF4-FFF2-40B4-BE49-F238E27FC236}">
-                <a16:creationId xmlns:a16="http://schemas.microsoft.com/office/drawing/2014/main" id="{A1EDC4DE-A236-A341-888A-FA28252F78FD}"/>
-              </a:ext>
-            </a:extLst>
-          </p:cNvPr>
-          <p:cNvSpPr txBox="1"/>
-          <p:nvPr/>
-        </p:nvSpPr>
-        <p:spPr>
-          <a:xfrm>
-            <a:off x="7330633" y="2296414"/>
-            <a:ext cx="4861367" cy="2265172"/>
-          </a:xfrm>
-          <a:prstGeom prst="rect">
-            <a:avLst/>
-          </a:prstGeom>
-          <a:noFill/>
-        </p:spPr>
-        <p:txBody>
-          <a:bodyPr wrap="square" rtlCol="0">
-            <a:spAutoFit/>
-          </a:bodyPr>
-          <a:lstStyle/>
-          <a:p>
-            <a:pPr marL="285750" indent="-285750">
-              <a:lnSpc>
-                <a:spcPct val="250000"/>
-              </a:lnSpc>
-              <a:buFont typeface="Arial" panose="020B0604020202020204" pitchFamily="34" charset="0"/>
-              <a:buChar char="•"/>
-            </a:pPr>
-            <a:r>
-              <a:rPr lang="en-GB" sz="2000" noProof="0" dirty="0"/>
-              <a:t>There is a trend</a:t>
-            </a:r>
-            <a:r>
-              <a:rPr lang="en-GB" sz="2000" dirty="0"/>
-              <a:t> component</a:t>
-            </a:r>
-          </a:p>
-          <a:p>
-            <a:pPr marL="285750" indent="-285750">
-              <a:lnSpc>
-                <a:spcPct val="250000"/>
-              </a:lnSpc>
-              <a:buFont typeface="Arial" panose="020B0604020202020204" pitchFamily="34" charset="0"/>
-              <a:buChar char="•"/>
-            </a:pPr>
-            <a:r>
-              <a:rPr lang="en-GB" sz="2000" noProof="0" dirty="0"/>
-              <a:t>The variance is not constant</a:t>
-            </a:r>
-          </a:p>
-          <a:p>
-            <a:pPr marL="285750" indent="-285750">
-              <a:lnSpc>
-                <a:spcPct val="250000"/>
-              </a:lnSpc>
-              <a:buFont typeface="Arial" panose="020B0604020202020204" pitchFamily="34" charset="0"/>
-              <a:buChar char="•"/>
-            </a:pPr>
-            <a:r>
-              <a:rPr lang="en-GB" sz="2000" noProof="0" dirty="0"/>
-              <a:t>There are signs of seasonality</a:t>
-            </a:r>
-          </a:p>
-        </p:txBody>
-      </p:sp>
-    </p:spTree>
-    <p:extLst>
-      <p:ext uri="{BB962C8B-B14F-4D97-AF65-F5344CB8AC3E}">
-        <p14:creationId xmlns:p14="http://schemas.microsoft.com/office/powerpoint/2010/main" val="3557203538"/>
-      </p:ext>
-    </p:extLst>
-  </p:cSld>
-  <p:clrMapOvr>
-    <a:masterClrMapping/>
-  </p:clrMapOvr>
-</p:sld>
-</file>
-
-<file path=ppt/slides/slide20.xml><?xml version="1.0" encoding="utf-8"?>
+<file path=ppt/slides/slide21.xml><?xml version="1.0" encoding="utf-8"?>
 <p:sld xmlns:a="http://schemas.openxmlformats.org/drawingml/2006/main" xmlns:r="http://schemas.openxmlformats.org/officeDocument/2006/relationships" xmlns:p="http://schemas.openxmlformats.org/presentationml/2006/main">
   <p:cSld>
     <p:spTree>
@@ -13207,8 +14103,8 @@
           <a:chExt cx="0" cy="0"/>
         </a:xfrm>
       </p:grpSpPr>
-      <mc:AlternateContent xmlns:mc="http://schemas.openxmlformats.org/markup-compatibility/2006">
-        <mc:Choice xmlns:a14="http://schemas.microsoft.com/office/drawing/2010/main" Requires="a14">
+      <mc:AlternateContent xmlns:mc="http://schemas.openxmlformats.org/markup-compatibility/2006" xmlns:a14="http://schemas.microsoft.com/office/drawing/2010/main">
+        <mc:Choice Requires="a14">
           <p:sp>
             <p:nvSpPr>
               <p:cNvPr id="2" name="Título 1">
@@ -13359,7 +14255,7 @@
             </p:txBody>
           </p:sp>
         </mc:Choice>
-        <mc:Fallback>
+        <mc:Fallback xmlns="">
           <p:sp>
             <p:nvSpPr>
               <p:cNvPr id="2" name="Título 1">
@@ -14026,8 +14922,8 @@
           <a:chExt cx="0" cy="0"/>
         </a:xfrm>
       </p:grpSpPr>
-      <mc:AlternateContent xmlns:mc="http://schemas.openxmlformats.org/markup-compatibility/2006">
-        <mc:Choice xmlns:a14="http://schemas.microsoft.com/office/drawing/2010/main" Requires="a14">
+      <mc:AlternateContent xmlns:mc="http://schemas.openxmlformats.org/markup-compatibility/2006" xmlns:a14="http://schemas.microsoft.com/office/drawing/2010/main">
+        <mc:Choice Requires="a14">
           <p:sp>
             <p:nvSpPr>
               <p:cNvPr id="2" name="Título 1">
@@ -14258,7 +15154,7 @@
             </p:txBody>
           </p:sp>
         </mc:Choice>
-        <mc:Fallback>
+        <mc:Fallback xmlns="">
           <p:sp>
             <p:nvSpPr>
               <p:cNvPr id="2" name="Título 1">
@@ -14487,8 +15383,8 @@
           <a:chExt cx="0" cy="0"/>
         </a:xfrm>
       </p:grpSpPr>
-      <mc:AlternateContent xmlns:mc="http://schemas.openxmlformats.org/markup-compatibility/2006">
-        <mc:Choice xmlns:a14="http://schemas.microsoft.com/office/drawing/2010/main" Requires="a14">
+      <mc:AlternateContent xmlns:mc="http://schemas.openxmlformats.org/markup-compatibility/2006" xmlns:a14="http://schemas.microsoft.com/office/drawing/2010/main">
+        <mc:Choice Requires="a14">
           <p:sp>
             <p:nvSpPr>
               <p:cNvPr id="2" name="Título 1">
@@ -14551,7 +15447,7 @@
             </p:txBody>
           </p:sp>
         </mc:Choice>
-        <mc:Fallback>
+        <mc:Fallback xmlns="">
           <p:sp>
             <p:nvSpPr>
               <p:cNvPr id="2" name="Título 1">
@@ -14808,8 +15704,8 @@
           <a:chExt cx="0" cy="0"/>
         </a:xfrm>
       </p:grpSpPr>
-      <mc:AlternateContent xmlns:mc="http://schemas.openxmlformats.org/markup-compatibility/2006">
-        <mc:Choice xmlns:a14="http://schemas.microsoft.com/office/drawing/2010/main" Requires="a14">
+      <mc:AlternateContent xmlns:mc="http://schemas.openxmlformats.org/markup-compatibility/2006" xmlns:a14="http://schemas.microsoft.com/office/drawing/2010/main">
+        <mc:Choice Requires="a14">
           <p:sp>
             <p:nvSpPr>
               <p:cNvPr id="2" name="Título 1">
@@ -15032,7 +15928,7 @@
             </p:txBody>
           </p:sp>
         </mc:Choice>
-        <mc:Fallback>
+        <mc:Fallback xmlns="">
           <p:sp>
             <p:nvSpPr>
               <p:cNvPr id="2" name="Título 1">
@@ -15111,8 +16007,8 @@
           </a:xfrm>
         </p:spPr>
       </p:pic>
-      <mc:AlternateContent xmlns:mc="http://schemas.openxmlformats.org/markup-compatibility/2006">
-        <mc:Choice xmlns:a14="http://schemas.microsoft.com/office/drawing/2010/main" Requires="a14">
+      <mc:AlternateContent xmlns:mc="http://schemas.openxmlformats.org/markup-compatibility/2006" xmlns:a14="http://schemas.microsoft.com/office/drawing/2010/main">
+        <mc:Choice Requires="a14">
           <p:sp>
             <p:nvSpPr>
               <p:cNvPr id="21" name="CuadroTexto 20">
@@ -15310,7 +16206,7 @@
             </p:txBody>
           </p:sp>
         </mc:Choice>
-        <mc:Fallback>
+        <mc:Fallback xmlns="">
           <p:sp>
             <p:nvSpPr>
               <p:cNvPr id="21" name="CuadroTexto 20">
@@ -15632,4 +16528,319 @@
     </a:ext>
   </a:extLst>
 </a:theme>
+</file>
+
+<file path=ppt/theme/theme2.xml><?xml version="1.0" encoding="utf-8"?>
+<a:theme xmlns:a="http://schemas.openxmlformats.org/drawingml/2006/main" name="Office Theme">
+  <a:themeElements>
+    <a:clrScheme name="Office">
+      <a:dk1>
+        <a:sysClr val="windowText" lastClr="000000"/>
+      </a:dk1>
+      <a:lt1>
+        <a:sysClr val="window" lastClr="FFFFFF"/>
+      </a:lt1>
+      <a:dk2>
+        <a:srgbClr val="0E2841"/>
+      </a:dk2>
+      <a:lt2>
+        <a:srgbClr val="E8E8E8"/>
+      </a:lt2>
+      <a:accent1>
+        <a:srgbClr val="156082"/>
+      </a:accent1>
+      <a:accent2>
+        <a:srgbClr val="E97132"/>
+      </a:accent2>
+      <a:accent3>
+        <a:srgbClr val="196B24"/>
+      </a:accent3>
+      <a:accent4>
+        <a:srgbClr val="0F9ED5"/>
+      </a:accent4>
+      <a:accent5>
+        <a:srgbClr val="A02B93"/>
+      </a:accent5>
+      <a:accent6>
+        <a:srgbClr val="4EA72E"/>
+      </a:accent6>
+      <a:hlink>
+        <a:srgbClr val="467886"/>
+      </a:hlink>
+      <a:folHlink>
+        <a:srgbClr val="96607D"/>
+      </a:folHlink>
+    </a:clrScheme>
+    <a:fontScheme name="Office">
+      <a:majorFont>
+        <a:latin typeface="Aptos Display" panose="02110004020202020204"/>
+        <a:ea typeface=""/>
+        <a:cs typeface=""/>
+        <a:font script="Jpan" typeface="游ゴシック Light"/>
+        <a:font script="Hang" typeface="맑은 고딕"/>
+        <a:font script="Hans" typeface="等线 Light"/>
+        <a:font script="Hant" typeface="新細明體"/>
+        <a:font script="Arab" typeface="Times New Roman"/>
+        <a:font script="Hebr" typeface="Times New Roman"/>
+        <a:font script="Thai" typeface="Angsana New"/>
+        <a:font script="Ethi" typeface="Nyala"/>
+        <a:font script="Beng" typeface="Vrinda"/>
+        <a:font script="Gujr" typeface="Shruti"/>
+        <a:font script="Khmr" typeface="MoolBoran"/>
+        <a:font script="Knda" typeface="Tunga"/>
+        <a:font script="Guru" typeface="Raavi"/>
+        <a:font script="Cans" typeface="Euphemia"/>
+        <a:font script="Cher" typeface="Plantagenet Cherokee"/>
+        <a:font script="Yiii" typeface="Microsoft Yi Baiti"/>
+        <a:font script="Tibt" typeface="Microsoft Himalaya"/>
+        <a:font script="Thaa" typeface="MV Boli"/>
+        <a:font script="Deva" typeface="Mangal"/>
+        <a:font script="Telu" typeface="Gautami"/>
+        <a:font script="Taml" typeface="Latha"/>
+        <a:font script="Syrc" typeface="Estrangelo Edessa"/>
+        <a:font script="Orya" typeface="Kalinga"/>
+        <a:font script="Mlym" typeface="Kartika"/>
+        <a:font script="Laoo" typeface="DokChampa"/>
+        <a:font script="Sinh" typeface="Iskoola Pota"/>
+        <a:font script="Mong" typeface="Mongolian Baiti"/>
+        <a:font script="Viet" typeface="Times New Roman"/>
+        <a:font script="Uigh" typeface="Microsoft Uighur"/>
+        <a:font script="Geor" typeface="Sylfaen"/>
+        <a:font script="Armn" typeface="Arial"/>
+        <a:font script="Bugi" typeface="Leelawadee UI"/>
+        <a:font script="Bopo" typeface="Microsoft JhengHei"/>
+        <a:font script="Java" typeface="Javanese Text"/>
+        <a:font script="Lisu" typeface="Segoe UI"/>
+        <a:font script="Mymr" typeface="Myanmar Text"/>
+        <a:font script="Nkoo" typeface="Ebrima"/>
+        <a:font script="Olck" typeface="Nirmala UI"/>
+        <a:font script="Osma" typeface="Ebrima"/>
+        <a:font script="Phag" typeface="Phagspa"/>
+        <a:font script="Syrn" typeface="Estrangelo Edessa"/>
+        <a:font script="Syrj" typeface="Estrangelo Edessa"/>
+        <a:font script="Syre" typeface="Estrangelo Edessa"/>
+        <a:font script="Sora" typeface="Nirmala UI"/>
+        <a:font script="Tale" typeface="Microsoft Tai Le"/>
+        <a:font script="Talu" typeface="Microsoft New Tai Lue"/>
+        <a:font script="Tfng" typeface="Ebrima"/>
+      </a:majorFont>
+      <a:minorFont>
+        <a:latin typeface="Aptos" panose="02110004020202020204"/>
+        <a:ea typeface=""/>
+        <a:cs typeface=""/>
+        <a:font script="Jpan" typeface="游ゴシック"/>
+        <a:font script="Hang" typeface="맑은 고딕"/>
+        <a:font script="Hans" typeface="等线"/>
+        <a:font script="Hant" typeface="新細明體"/>
+        <a:font script="Arab" typeface="Arial"/>
+        <a:font script="Hebr" typeface="Arial"/>
+        <a:font script="Thai" typeface="Cordia New"/>
+        <a:font script="Ethi" typeface="Nyala"/>
+        <a:font script="Beng" typeface="Vrinda"/>
+        <a:font script="Gujr" typeface="Shruti"/>
+        <a:font script="Khmr" typeface="DaunPenh"/>
+        <a:font script="Knda" typeface="Tunga"/>
+        <a:font script="Guru" typeface="Raavi"/>
+        <a:font script="Cans" typeface="Euphemia"/>
+        <a:font script="Cher" typeface="Plantagenet Cherokee"/>
+        <a:font script="Yiii" typeface="Microsoft Yi Baiti"/>
+        <a:font script="Tibt" typeface="Microsoft Himalaya"/>
+        <a:font script="Thaa" typeface="MV Boli"/>
+        <a:font script="Deva" typeface="Mangal"/>
+        <a:font script="Telu" typeface="Gautami"/>
+        <a:font script="Taml" typeface="Latha"/>
+        <a:font script="Syrc" typeface="Estrangelo Edessa"/>
+        <a:font script="Orya" typeface="Kalinga"/>
+        <a:font script="Mlym" typeface="Kartika"/>
+        <a:font script="Laoo" typeface="DokChampa"/>
+        <a:font script="Sinh" typeface="Iskoola Pota"/>
+        <a:font script="Mong" typeface="Mongolian Baiti"/>
+        <a:font script="Viet" typeface="Arial"/>
+        <a:font script="Uigh" typeface="Microsoft Uighur"/>
+        <a:font script="Geor" typeface="Sylfaen"/>
+        <a:font script="Armn" typeface="Arial"/>
+        <a:font script="Bugi" typeface="Leelawadee UI"/>
+        <a:font script="Bopo" typeface="Microsoft JhengHei"/>
+        <a:font script="Java" typeface="Javanese Text"/>
+        <a:font script="Lisu" typeface="Segoe UI"/>
+        <a:font script="Mymr" typeface="Myanmar Text"/>
+        <a:font script="Nkoo" typeface="Ebrima"/>
+        <a:font script="Olck" typeface="Nirmala UI"/>
+        <a:font script="Osma" typeface="Ebrima"/>
+        <a:font script="Phag" typeface="Phagspa"/>
+        <a:font script="Syrn" typeface="Estrangelo Edessa"/>
+        <a:font script="Syrj" typeface="Estrangelo Edessa"/>
+        <a:font script="Syre" typeface="Estrangelo Edessa"/>
+        <a:font script="Sora" typeface="Nirmala UI"/>
+        <a:font script="Tale" typeface="Microsoft Tai Le"/>
+        <a:font script="Talu" typeface="Microsoft New Tai Lue"/>
+        <a:font script="Tfng" typeface="Ebrima"/>
+      </a:minorFont>
+    </a:fontScheme>
+    <a:fmtScheme name="Office">
+      <a:fillStyleLst>
+        <a:solidFill>
+          <a:schemeClr val="phClr"/>
+        </a:solidFill>
+        <a:gradFill rotWithShape="1">
+          <a:gsLst>
+            <a:gs pos="0">
+              <a:schemeClr val="phClr">
+                <a:lumMod val="110000"/>
+                <a:satMod val="105000"/>
+                <a:tint val="67000"/>
+              </a:schemeClr>
+            </a:gs>
+            <a:gs pos="50000">
+              <a:schemeClr val="phClr">
+                <a:lumMod val="105000"/>
+                <a:satMod val="103000"/>
+                <a:tint val="73000"/>
+              </a:schemeClr>
+            </a:gs>
+            <a:gs pos="100000">
+              <a:schemeClr val="phClr">
+                <a:lumMod val="105000"/>
+                <a:satMod val="109000"/>
+                <a:tint val="81000"/>
+              </a:schemeClr>
+            </a:gs>
+          </a:gsLst>
+          <a:lin ang="5400000" scaled="0"/>
+        </a:gradFill>
+        <a:gradFill rotWithShape="1">
+          <a:gsLst>
+            <a:gs pos="0">
+              <a:schemeClr val="phClr">
+                <a:satMod val="103000"/>
+                <a:lumMod val="102000"/>
+                <a:tint val="94000"/>
+              </a:schemeClr>
+            </a:gs>
+            <a:gs pos="50000">
+              <a:schemeClr val="phClr">
+                <a:satMod val="110000"/>
+                <a:lumMod val="100000"/>
+                <a:shade val="100000"/>
+              </a:schemeClr>
+            </a:gs>
+            <a:gs pos="100000">
+              <a:schemeClr val="phClr">
+                <a:lumMod val="99000"/>
+                <a:satMod val="120000"/>
+                <a:shade val="78000"/>
+              </a:schemeClr>
+            </a:gs>
+          </a:gsLst>
+          <a:lin ang="5400000" scaled="0"/>
+        </a:gradFill>
+      </a:fillStyleLst>
+      <a:lnStyleLst>
+        <a:ln w="12700" cap="flat" cmpd="sng" algn="ctr">
+          <a:solidFill>
+            <a:schemeClr val="phClr"/>
+          </a:solidFill>
+          <a:prstDash val="solid"/>
+          <a:miter lim="800000"/>
+        </a:ln>
+        <a:ln w="19050" cap="flat" cmpd="sng" algn="ctr">
+          <a:solidFill>
+            <a:schemeClr val="phClr"/>
+          </a:solidFill>
+          <a:prstDash val="solid"/>
+          <a:miter lim="800000"/>
+        </a:ln>
+        <a:ln w="25400" cap="flat" cmpd="sng" algn="ctr">
+          <a:solidFill>
+            <a:schemeClr val="phClr"/>
+          </a:solidFill>
+          <a:prstDash val="solid"/>
+          <a:miter lim="800000"/>
+        </a:ln>
+      </a:lnStyleLst>
+      <a:effectStyleLst>
+        <a:effectStyle>
+          <a:effectLst/>
+        </a:effectStyle>
+        <a:effectStyle>
+          <a:effectLst/>
+        </a:effectStyle>
+        <a:effectStyle>
+          <a:effectLst>
+            <a:outerShdw blurRad="57150" dist="19050" dir="5400000" algn="ctr" rotWithShape="0">
+              <a:srgbClr val="000000">
+                <a:alpha val="63000"/>
+              </a:srgbClr>
+            </a:outerShdw>
+          </a:effectLst>
+        </a:effectStyle>
+      </a:effectStyleLst>
+      <a:bgFillStyleLst>
+        <a:solidFill>
+          <a:schemeClr val="phClr"/>
+        </a:solidFill>
+        <a:solidFill>
+          <a:schemeClr val="phClr">
+            <a:tint val="95000"/>
+            <a:satMod val="170000"/>
+          </a:schemeClr>
+        </a:solidFill>
+        <a:gradFill rotWithShape="1">
+          <a:gsLst>
+            <a:gs pos="0">
+              <a:schemeClr val="phClr">
+                <a:tint val="93000"/>
+                <a:satMod val="150000"/>
+                <a:shade val="98000"/>
+                <a:lumMod val="102000"/>
+              </a:schemeClr>
+            </a:gs>
+            <a:gs pos="50000">
+              <a:schemeClr val="phClr">
+                <a:tint val="98000"/>
+                <a:satMod val="130000"/>
+                <a:shade val="90000"/>
+                <a:lumMod val="103000"/>
+              </a:schemeClr>
+            </a:gs>
+            <a:gs pos="100000">
+              <a:schemeClr val="phClr">
+                <a:shade val="63000"/>
+                <a:satMod val="120000"/>
+              </a:schemeClr>
+            </a:gs>
+          </a:gsLst>
+          <a:lin ang="5400000" scaled="0"/>
+        </a:gradFill>
+      </a:bgFillStyleLst>
+    </a:fmtScheme>
+  </a:themeElements>
+  <a:objectDefaults>
+    <a:lnDef>
+      <a:spPr/>
+      <a:bodyPr/>
+      <a:lstStyle/>
+      <a:style>
+        <a:lnRef idx="2">
+          <a:schemeClr val="accent1"/>
+        </a:lnRef>
+        <a:fillRef idx="0">
+          <a:schemeClr val="accent1"/>
+        </a:fillRef>
+        <a:effectRef idx="1">
+          <a:schemeClr val="accent1"/>
+        </a:effectRef>
+        <a:fontRef idx="minor">
+          <a:schemeClr val="tx1"/>
+        </a:fontRef>
+      </a:style>
+    </a:lnDef>
+  </a:objectDefaults>
+  <a:extraClrSchemeLst/>
+  <a:extLst>
+    <a:ext uri="{05A4C25C-085E-4340-85A3-A5531E510DB2}">
+      <thm15:themeFamily xmlns:thm15="http://schemas.microsoft.com/office/thememl/2012/main" name="Office Theme" id="{2E142A2C-CD16-42D6-873A-C26D2A0506FA}" vid="{1BDDFF52-6CD6-40A5-AB3C-68EB2F1E4D0A}"/>
+    </a:ext>
+  </a:extLst>
+</a:theme>
 </file>
--- a/Time Series Project David Bravo.pptx
+++ b/Time Series Project David Bravo.pptx
@@ -217,7 +217,7 @@
           <a:p>
             <a:fld id="{902B873F-A153-400B-8BBF-B1FB1702B4E2}" type="datetimeFigureOut">
               <a:rPr lang="es-ES" smtClean="0"/>
-              <a:t>05/06/2025</a:t>
+              <a:t>06/06/2025</a:t>
             </a:fld>
             <a:endParaRPr lang="es-ES"/>
           </a:p>
@@ -376,7 +376,7 @@
           <a:p>
             <a:fld id="{5C0344E8-808A-47F8-A707-B5EF8A5CAB3F}" type="slidenum">
               <a:rPr lang="es-ES" smtClean="0"/>
-              <a:t>‹#›</a:t>
+              <a:t>‹Nº›</a:t>
             </a:fld>
             <a:endParaRPr lang="es-ES"/>
           </a:p>
@@ -755,7 +755,7 @@
           <a:p>
             <a:fld id="{BC9B0829-03B9-4296-89DC-99C9BCC77691}" type="datetimeFigureOut">
               <a:rPr lang="es-ES" smtClean="0"/>
-              <a:t>05/06/2025</a:t>
+              <a:t>06/06/2025</a:t>
             </a:fld>
             <a:endParaRPr lang="es-ES"/>
           </a:p>
@@ -797,7 +797,7 @@
           <a:p>
             <a:fld id="{50DB69DA-3702-4B4C-ADB0-490D7CB8D72E}" type="slidenum">
               <a:rPr lang="es-ES" smtClean="0"/>
-              <a:t>‹#›</a:t>
+              <a:t>‹Nº›</a:t>
             </a:fld>
             <a:endParaRPr lang="es-ES"/>
           </a:p>
@@ -1030,7 +1030,7 @@
           <a:p>
             <a:fld id="{BC9B0829-03B9-4296-89DC-99C9BCC77691}" type="datetimeFigureOut">
               <a:rPr lang="es-ES" smtClean="0"/>
-              <a:t>05/06/2025</a:t>
+              <a:t>06/06/2025</a:t>
             </a:fld>
             <a:endParaRPr lang="es-ES"/>
           </a:p>
@@ -1072,7 +1072,7 @@
           <a:p>
             <a:fld id="{50DB69DA-3702-4B4C-ADB0-490D7CB8D72E}" type="slidenum">
               <a:rPr lang="es-ES" smtClean="0"/>
-              <a:t>‹#›</a:t>
+              <a:t>‹Nº›</a:t>
             </a:fld>
             <a:endParaRPr lang="es-ES"/>
           </a:p>
@@ -1224,7 +1224,7 @@
           <a:p>
             <a:fld id="{BC9B0829-03B9-4296-89DC-99C9BCC77691}" type="datetimeFigureOut">
               <a:rPr lang="es-ES" smtClean="0"/>
-              <a:t>05/06/2025</a:t>
+              <a:t>06/06/2025</a:t>
             </a:fld>
             <a:endParaRPr lang="es-ES"/>
           </a:p>
@@ -1266,7 +1266,7 @@
           <a:p>
             <a:fld id="{50DB69DA-3702-4B4C-ADB0-490D7CB8D72E}" type="slidenum">
               <a:rPr lang="es-ES" smtClean="0"/>
-              <a:t>‹#›</a:t>
+              <a:t>‹Nº›</a:t>
             </a:fld>
             <a:endParaRPr lang="es-ES"/>
           </a:p>
@@ -1497,7 +1497,7 @@
           <a:p>
             <a:fld id="{BC9B0829-03B9-4296-89DC-99C9BCC77691}" type="datetimeFigureOut">
               <a:rPr lang="es-ES" smtClean="0"/>
-              <a:t>05/06/2025</a:t>
+              <a:t>06/06/2025</a:t>
             </a:fld>
             <a:endParaRPr lang="es-ES"/>
           </a:p>
@@ -1539,7 +1539,7 @@
           <a:p>
             <a:fld id="{50DB69DA-3702-4B4C-ADB0-490D7CB8D72E}" type="slidenum">
               <a:rPr lang="es-ES" smtClean="0"/>
-              <a:t>‹#›</a:t>
+              <a:t>‹Nº›</a:t>
             </a:fld>
             <a:endParaRPr lang="es-ES"/>
           </a:p>
@@ -1838,7 +1838,7 @@
           <a:p>
             <a:fld id="{BC9B0829-03B9-4296-89DC-99C9BCC77691}" type="datetimeFigureOut">
               <a:rPr lang="es-ES" smtClean="0"/>
-              <a:t>05/06/2025</a:t>
+              <a:t>06/06/2025</a:t>
             </a:fld>
             <a:endParaRPr lang="es-ES"/>
           </a:p>
@@ -1880,7 +1880,7 @@
           <a:p>
             <a:fld id="{50DB69DA-3702-4B4C-ADB0-490D7CB8D72E}" type="slidenum">
               <a:rPr lang="es-ES" smtClean="0"/>
-              <a:t>‹#›</a:t>
+              <a:t>‹Nº›</a:t>
             </a:fld>
             <a:endParaRPr lang="es-ES"/>
           </a:p>
@@ -2461,7 +2461,7 @@
           <a:p>
             <a:fld id="{BC9B0829-03B9-4296-89DC-99C9BCC77691}" type="datetimeFigureOut">
               <a:rPr lang="es-ES" smtClean="0"/>
-              <a:t>05/06/2025</a:t>
+              <a:t>06/06/2025</a:t>
             </a:fld>
             <a:endParaRPr lang="es-ES"/>
           </a:p>
@@ -2503,7 +2503,7 @@
           <a:p>
             <a:fld id="{50DB69DA-3702-4B4C-ADB0-490D7CB8D72E}" type="slidenum">
               <a:rPr lang="es-ES" smtClean="0"/>
-              <a:t>‹#›</a:t>
+              <a:t>‹Nº›</a:t>
             </a:fld>
             <a:endParaRPr lang="es-ES"/>
           </a:p>
@@ -3321,7 +3321,7 @@
           <a:p>
             <a:fld id="{BC9B0829-03B9-4296-89DC-99C9BCC77691}" type="datetimeFigureOut">
               <a:rPr lang="es-ES" smtClean="0"/>
-              <a:t>05/06/2025</a:t>
+              <a:t>06/06/2025</a:t>
             </a:fld>
             <a:endParaRPr lang="es-ES"/>
           </a:p>
@@ -3363,7 +3363,7 @@
           <a:p>
             <a:fld id="{50DB69DA-3702-4B4C-ADB0-490D7CB8D72E}" type="slidenum">
               <a:rPr lang="es-ES" smtClean="0"/>
-              <a:t>‹#›</a:t>
+              <a:t>‹Nº›</a:t>
             </a:fld>
             <a:endParaRPr lang="es-ES"/>
           </a:p>
@@ -3491,7 +3491,7 @@
           <a:p>
             <a:fld id="{BC9B0829-03B9-4296-89DC-99C9BCC77691}" type="datetimeFigureOut">
               <a:rPr lang="es-ES" smtClean="0"/>
-              <a:t>05/06/2025</a:t>
+              <a:t>06/06/2025</a:t>
             </a:fld>
             <a:endParaRPr lang="es-ES"/>
           </a:p>
@@ -3533,7 +3533,7 @@
           <a:p>
             <a:fld id="{50DB69DA-3702-4B4C-ADB0-490D7CB8D72E}" type="slidenum">
               <a:rPr lang="es-ES" smtClean="0"/>
-              <a:t>‹#›</a:t>
+              <a:t>‹Nº›</a:t>
             </a:fld>
             <a:endParaRPr lang="es-ES"/>
           </a:p>
@@ -3671,7 +3671,7 @@
           <a:p>
             <a:fld id="{BC9B0829-03B9-4296-89DC-99C9BCC77691}" type="datetimeFigureOut">
               <a:rPr lang="es-ES" smtClean="0"/>
-              <a:t>05/06/2025</a:t>
+              <a:t>06/06/2025</a:t>
             </a:fld>
             <a:endParaRPr lang="es-ES"/>
           </a:p>
@@ -3713,7 +3713,7 @@
           <a:p>
             <a:fld id="{50DB69DA-3702-4B4C-ADB0-490D7CB8D72E}" type="slidenum">
               <a:rPr lang="es-ES" smtClean="0"/>
-              <a:t>‹#›</a:t>
+              <a:t>‹Nº›</a:t>
             </a:fld>
             <a:endParaRPr lang="es-ES"/>
           </a:p>
@@ -3841,7 +3841,7 @@
           <a:p>
             <a:fld id="{BC9B0829-03B9-4296-89DC-99C9BCC77691}" type="datetimeFigureOut">
               <a:rPr lang="es-ES" smtClean="0"/>
-              <a:t>05/06/2025</a:t>
+              <a:t>06/06/2025</a:t>
             </a:fld>
             <a:endParaRPr lang="es-ES"/>
           </a:p>
@@ -3883,7 +3883,7 @@
           <a:p>
             <a:fld id="{50DB69DA-3702-4B4C-ADB0-490D7CB8D72E}" type="slidenum">
               <a:rPr lang="es-ES" smtClean="0"/>
-              <a:t>‹#›</a:t>
+              <a:t>‹Nº›</a:t>
             </a:fld>
             <a:endParaRPr lang="es-ES"/>
           </a:p>
@@ -4088,7 +4088,7 @@
           <a:p>
             <a:fld id="{BC9B0829-03B9-4296-89DC-99C9BCC77691}" type="datetimeFigureOut">
               <a:rPr lang="es-ES" smtClean="0"/>
-              <a:t>05/06/2025</a:t>
+              <a:t>06/06/2025</a:t>
             </a:fld>
             <a:endParaRPr lang="es-ES"/>
           </a:p>
@@ -4130,7 +4130,7 @@
           <a:p>
             <a:fld id="{50DB69DA-3702-4B4C-ADB0-490D7CB8D72E}" type="slidenum">
               <a:rPr lang="es-ES" smtClean="0"/>
-              <a:t>‹#›</a:t>
+              <a:t>‹Nº›</a:t>
             </a:fld>
             <a:endParaRPr lang="es-ES"/>
           </a:p>
@@ -4380,7 +4380,7 @@
           <a:p>
             <a:fld id="{BC9B0829-03B9-4296-89DC-99C9BCC77691}" type="datetimeFigureOut">
               <a:rPr lang="es-ES" smtClean="0"/>
-              <a:t>05/06/2025</a:t>
+              <a:t>06/06/2025</a:t>
             </a:fld>
             <a:endParaRPr lang="es-ES"/>
           </a:p>
@@ -4422,7 +4422,7 @@
           <a:p>
             <a:fld id="{50DB69DA-3702-4B4C-ADB0-490D7CB8D72E}" type="slidenum">
               <a:rPr lang="es-ES" smtClean="0"/>
-              <a:t>‹#›</a:t>
+              <a:t>‹Nº›</a:t>
             </a:fld>
             <a:endParaRPr lang="es-ES"/>
           </a:p>
@@ -4824,7 +4824,7 @@
           <a:p>
             <a:fld id="{BC9B0829-03B9-4296-89DC-99C9BCC77691}" type="datetimeFigureOut">
               <a:rPr lang="es-ES" smtClean="0"/>
-              <a:t>05/06/2025</a:t>
+              <a:t>06/06/2025</a:t>
             </a:fld>
             <a:endParaRPr lang="es-ES"/>
           </a:p>
@@ -4866,7 +4866,7 @@
           <a:p>
             <a:fld id="{50DB69DA-3702-4B4C-ADB0-490D7CB8D72E}" type="slidenum">
               <a:rPr lang="es-ES" smtClean="0"/>
-              <a:t>‹#›</a:t>
+              <a:t>‹Nº›</a:t>
             </a:fld>
             <a:endParaRPr lang="es-ES"/>
           </a:p>
@@ -4942,7 +4942,7 @@
           <a:p>
             <a:fld id="{BC9B0829-03B9-4296-89DC-99C9BCC77691}" type="datetimeFigureOut">
               <a:rPr lang="es-ES" smtClean="0"/>
-              <a:t>05/06/2025</a:t>
+              <a:t>06/06/2025</a:t>
             </a:fld>
             <a:endParaRPr lang="es-ES"/>
           </a:p>
@@ -4984,7 +4984,7 @@
           <a:p>
             <a:fld id="{50DB69DA-3702-4B4C-ADB0-490D7CB8D72E}" type="slidenum">
               <a:rPr lang="es-ES" smtClean="0"/>
-              <a:t>‹#›</a:t>
+              <a:t>‹Nº›</a:t>
             </a:fld>
             <a:endParaRPr lang="es-ES"/>
           </a:p>
@@ -5037,7 +5037,7 @@
           <a:p>
             <a:fld id="{BC9B0829-03B9-4296-89DC-99C9BCC77691}" type="datetimeFigureOut">
               <a:rPr lang="es-ES" smtClean="0"/>
-              <a:t>05/06/2025</a:t>
+              <a:t>06/06/2025</a:t>
             </a:fld>
             <a:endParaRPr lang="es-ES"/>
           </a:p>
@@ -5079,7 +5079,7 @@
           <a:p>
             <a:fld id="{50DB69DA-3702-4B4C-ADB0-490D7CB8D72E}" type="slidenum">
               <a:rPr lang="es-ES" smtClean="0"/>
-              <a:t>‹#›</a:t>
+              <a:t>‹Nº›</a:t>
             </a:fld>
             <a:endParaRPr lang="es-ES"/>
           </a:p>
@@ -5316,7 +5316,7 @@
           <a:p>
             <a:fld id="{BC9B0829-03B9-4296-89DC-99C9BCC77691}" type="datetimeFigureOut">
               <a:rPr lang="es-ES" smtClean="0"/>
-              <a:t>05/06/2025</a:t>
+              <a:t>06/06/2025</a:t>
             </a:fld>
             <a:endParaRPr lang="es-ES"/>
           </a:p>
@@ -5358,7 +5358,7 @@
           <a:p>
             <a:fld id="{50DB69DA-3702-4B4C-ADB0-490D7CB8D72E}" type="slidenum">
               <a:rPr lang="es-ES" smtClean="0"/>
-              <a:t>‹#›</a:t>
+              <a:t>‹Nº›</a:t>
             </a:fld>
             <a:endParaRPr lang="es-ES"/>
           </a:p>
@@ -5591,7 +5591,7 @@
           <a:p>
             <a:fld id="{BC9B0829-03B9-4296-89DC-99C9BCC77691}" type="datetimeFigureOut">
               <a:rPr lang="es-ES" smtClean="0"/>
-              <a:t>05/06/2025</a:t>
+              <a:t>06/06/2025</a:t>
             </a:fld>
             <a:endParaRPr lang="es-ES"/>
           </a:p>
@@ -5633,7 +5633,7 @@
           <a:p>
             <a:fld id="{50DB69DA-3702-4B4C-ADB0-490D7CB8D72E}" type="slidenum">
               <a:rPr lang="es-ES" smtClean="0"/>
-              <a:t>‹#›</a:t>
+              <a:t>‹Nº›</a:t>
             </a:fld>
             <a:endParaRPr lang="es-ES"/>
           </a:p>
@@ -6020,7 +6020,7 @@
           <a:p>
             <a:fld id="{BC9B0829-03B9-4296-89DC-99C9BCC77691}" type="datetimeFigureOut">
               <a:rPr lang="es-ES" smtClean="0"/>
-              <a:t>05/06/2025</a:t>
+              <a:t>06/06/2025</a:t>
             </a:fld>
             <a:endParaRPr lang="es-ES"/>
           </a:p>
@@ -6099,7 +6099,7 @@
           <a:p>
             <a:fld id="{50DB69DA-3702-4B4C-ADB0-490D7CB8D72E}" type="slidenum">
               <a:rPr lang="es-ES" smtClean="0"/>
-              <a:t>‹#›</a:t>
+              <a:t>‹Nº›</a:t>
             </a:fld>
             <a:endParaRPr lang="es-ES"/>
           </a:p>
@@ -11964,8 +11964,8 @@
           </a:p>
         </p:txBody>
       </p:sp>
-      <mc:AlternateContent xmlns:mc="http://schemas.openxmlformats.org/markup-compatibility/2006">
-        <mc:Choice xmlns:a14="http://schemas.microsoft.com/office/drawing/2010/main" Requires="a14">
+      <mc:AlternateContent xmlns:mc="http://schemas.openxmlformats.org/markup-compatibility/2006" xmlns:a14="http://schemas.microsoft.com/office/drawing/2010/main">
+        <mc:Choice Requires="a14">
           <p:sp>
             <p:nvSpPr>
               <p:cNvPr id="3" name="Marcador de contenido 2">
@@ -12904,7 +12904,7 @@
             </p:txBody>
           </p:sp>
         </mc:Choice>
-        <mc:Fallback>
+        <mc:Fallback xmlns="">
           <p:sp>
             <p:nvSpPr>
               <p:cNvPr id="3" name="Marcador de contenido 2">
